--- a/Présentation Générateur de citations.pptx
+++ b/Présentation Générateur de citations.pptx
@@ -208,7 +208,7 @@
           <a:p>
             <a:fld id="{B96593A0-10E1-45D8-B447-E2C6C9553211}" type="datetimeFigureOut">
               <a:rPr lang="fr-FR" smtClean="0"/>
-              <a:t>02/09/2019</a:t>
+              <a:t>09/09/2019</a:t>
             </a:fld>
             <a:endParaRPr lang="fr-FR"/>
           </a:p>
@@ -607,7 +607,7 @@
           <a:p>
             <a:fld id="{C2877114-3D43-4EEC-8F3A-66D36BB90326}" type="datetime1">
               <a:rPr lang="fr-FR" smtClean="0"/>
-              <a:t>02/09/2019</a:t>
+              <a:t>09/09/2019</a:t>
             </a:fld>
             <a:endParaRPr lang="fr-FR"/>
           </a:p>
@@ -777,7 +777,7 @@
           <a:p>
             <a:fld id="{A3E75D5E-B12C-4BC5-98AD-85D9DAB994E4}" type="datetime1">
               <a:rPr lang="fr-FR" smtClean="0"/>
-              <a:t>02/09/2019</a:t>
+              <a:t>09/09/2019</a:t>
             </a:fld>
             <a:endParaRPr lang="fr-FR"/>
           </a:p>
@@ -957,7 +957,7 @@
           <a:p>
             <a:fld id="{E6890DF2-2842-4B41-A8BF-CF05DAEDE902}" type="datetime1">
               <a:rPr lang="fr-FR" smtClean="0"/>
-              <a:t>02/09/2019</a:t>
+              <a:t>09/09/2019</a:t>
             </a:fld>
             <a:endParaRPr lang="fr-FR"/>
           </a:p>
@@ -1127,7 +1127,7 @@
           <a:p>
             <a:fld id="{372FC9D2-824F-454A-B580-F96D91C076C5}" type="datetime1">
               <a:rPr lang="fr-FR" smtClean="0"/>
-              <a:t>02/09/2019</a:t>
+              <a:t>09/09/2019</a:t>
             </a:fld>
             <a:endParaRPr lang="fr-FR"/>
           </a:p>
@@ -1373,7 +1373,7 @@
           <a:p>
             <a:fld id="{AF229596-061C-4882-ACA4-8C6050124908}" type="datetime1">
               <a:rPr lang="fr-FR" smtClean="0"/>
-              <a:t>02/09/2019</a:t>
+              <a:t>09/09/2019</a:t>
             </a:fld>
             <a:endParaRPr lang="fr-FR"/>
           </a:p>
@@ -1605,7 +1605,7 @@
           <a:p>
             <a:fld id="{79440041-AD91-4CB7-B746-1AAC2CD33AA9}" type="datetime1">
               <a:rPr lang="fr-FR" smtClean="0"/>
-              <a:t>02/09/2019</a:t>
+              <a:t>09/09/2019</a:t>
             </a:fld>
             <a:endParaRPr lang="fr-FR"/>
           </a:p>
@@ -1972,7 +1972,7 @@
           <a:p>
             <a:fld id="{A16B379F-691C-4295-8499-8D3A72045B6E}" type="datetime1">
               <a:rPr lang="fr-FR" smtClean="0"/>
-              <a:t>02/09/2019</a:t>
+              <a:t>09/09/2019</a:t>
             </a:fld>
             <a:endParaRPr lang="fr-FR"/>
           </a:p>
@@ -2090,7 +2090,7 @@
           <a:p>
             <a:fld id="{F390FD0A-8DAA-4227-B979-AB62C33BD7D8}" type="datetime1">
               <a:rPr lang="fr-FR" smtClean="0"/>
-              <a:t>02/09/2019</a:t>
+              <a:t>09/09/2019</a:t>
             </a:fld>
             <a:endParaRPr lang="fr-FR"/>
           </a:p>
@@ -2185,7 +2185,7 @@
           <a:p>
             <a:fld id="{86D633DA-F033-478A-B3AA-1AF08C671675}" type="datetime1">
               <a:rPr lang="fr-FR" smtClean="0"/>
-              <a:t>02/09/2019</a:t>
+              <a:t>09/09/2019</a:t>
             </a:fld>
             <a:endParaRPr lang="fr-FR"/>
           </a:p>
@@ -2462,7 +2462,7 @@
           <a:p>
             <a:fld id="{55795FA5-0B9B-4E83-9BDC-3DD7E1B1FC62}" type="datetime1">
               <a:rPr lang="fr-FR" smtClean="0"/>
-              <a:t>02/09/2019</a:t>
+              <a:t>09/09/2019</a:t>
             </a:fld>
             <a:endParaRPr lang="fr-FR"/>
           </a:p>
@@ -2715,7 +2715,7 @@
           <a:p>
             <a:fld id="{6156AAA1-E81F-468E-97E9-6B2EF830AD46}" type="datetime1">
               <a:rPr lang="fr-FR" smtClean="0"/>
-              <a:t>02/09/2019</a:t>
+              <a:t>09/09/2019</a:t>
             </a:fld>
             <a:endParaRPr lang="fr-FR"/>
           </a:p>
@@ -2928,7 +2928,7 @@
           <a:p>
             <a:fld id="{4CF42A4D-0074-4A4F-8902-A0DD9B4A3741}" type="datetime1">
               <a:rPr lang="fr-FR" smtClean="0"/>
-              <a:t>02/09/2019</a:t>
+              <a:t>09/09/2019</a:t>
             </a:fld>
             <a:endParaRPr lang="fr-FR"/>
           </a:p>
@@ -3601,7 +3601,7 @@
         </p:spPr>
         <p:txBody>
           <a:bodyPr>
-            <a:normAutofit lnSpcReduction="10000"/>
+            <a:normAutofit fontScale="92500" lnSpcReduction="10000"/>
           </a:bodyPr>
           <a:lstStyle/>
           <a:p>
@@ -3610,7 +3610,28 @@
               <a:rPr lang="fr-FR" sz="2800" b="1" dirty="0" smtClean="0">
                 <a:latin typeface="+mj-lt"/>
               </a:rPr>
-              <a:t>Choix de la série</a:t>
+              <a:t>Choix de la </a:t>
+            </a:r>
+            <a:r>
+              <a:rPr lang="fr-FR" sz="2800" b="1" dirty="0" smtClean="0">
+                <a:latin typeface="+mj-lt"/>
+              </a:rPr>
+              <a:t>série</a:t>
+            </a:r>
+          </a:p>
+          <a:p>
+            <a:pPr algn="l"/>
+            <a:r>
+              <a:rPr lang="fr-FR" sz="2800" b="1" dirty="0">
+                <a:latin typeface="+mj-lt"/>
+              </a:rPr>
+              <a:t>e</a:t>
+            </a:r>
+            <a:r>
+              <a:rPr lang="fr-FR" sz="2800" b="1" dirty="0" smtClean="0">
+                <a:latin typeface="+mj-lt"/>
+              </a:rPr>
+              <a:t>t concaténation</a:t>
             </a:r>
             <a:endParaRPr lang="fr-FR" sz="2800" b="1" dirty="0">
               <a:latin typeface="+mj-lt"/>
@@ -3656,12 +3677,6 @@
             </a:endParaRPr>
           </a:p>
           <a:p>
-            <a:pPr algn="l"/>
-            <a:endParaRPr lang="fr-FR" sz="2800" dirty="0" smtClean="0">
-              <a:latin typeface="+mj-lt"/>
-            </a:endParaRPr>
-          </a:p>
-          <a:p>
             <a:pPr marL="457200" indent="-457200" algn="l">
               <a:buFont typeface="Arial" panose="020B0604020202020204" pitchFamily="34" charset="0"/>
               <a:buChar char="•"/>
@@ -3670,7 +3685,19 @@
               <a:rPr lang="fr-FR" sz="2800" dirty="0" smtClean="0">
                 <a:latin typeface="+mj-lt"/>
               </a:rPr>
-              <a:t>Décide de la citation à générer en fonction du choix de série (bouton radio) de l’utilisateur</a:t>
+              <a:t>Décide </a:t>
+            </a:r>
+            <a:r>
+              <a:rPr lang="fr-FR" sz="2800" dirty="0" smtClean="0">
+                <a:latin typeface="+mj-lt"/>
+              </a:rPr>
+              <a:t>de la citation à générer en fonction du choix de série (bouton radio) de </a:t>
+            </a:r>
+            <a:r>
+              <a:rPr lang="fr-FR" sz="2800" dirty="0" smtClean="0">
+                <a:latin typeface="+mj-lt"/>
+              </a:rPr>
+              <a:t>l’utilisateur</a:t>
             </a:r>
           </a:p>
           <a:p>
@@ -3682,6 +3709,21 @@
               <a:rPr lang="fr-FR" sz="2800" dirty="0" smtClean="0">
                 <a:latin typeface="+mj-lt"/>
               </a:rPr>
+              <a:t>Concaténation des bouts de phrase générés</a:t>
+            </a:r>
+            <a:endParaRPr lang="fr-FR" sz="2800" dirty="0" smtClean="0">
+              <a:latin typeface="+mj-lt"/>
+            </a:endParaRPr>
+          </a:p>
+          <a:p>
+            <a:pPr marL="457200" indent="-457200" algn="l">
+              <a:buFont typeface="Arial" panose="020B0604020202020204" pitchFamily="34" charset="0"/>
+              <a:buChar char="•"/>
+            </a:pPr>
+            <a:r>
+              <a:rPr lang="fr-FR" sz="2800" dirty="0" smtClean="0">
+                <a:latin typeface="+mj-lt"/>
+              </a:rPr>
               <a:t>Affiche un message d’erreur si aucun choix n’a été fait</a:t>
             </a:r>
             <a:endParaRPr lang="fr-FR" sz="2800" dirty="0">
@@ -3715,7 +3757,7 @@
       </p:sp>
       <p:pic>
         <p:nvPicPr>
-          <p:cNvPr id="4" name="Picture 3"/>
+          <p:cNvPr id="5" name="Picture 4"/>
           <p:cNvPicPr>
             <a:picLocks noChangeAspect="1"/>
           </p:cNvPicPr>
@@ -3729,8 +3771,8 @@
         </p:blipFill>
         <p:spPr>
           <a:xfrm>
-            <a:off x="3336608" y="2136808"/>
-            <a:ext cx="8613359" cy="2858704"/>
+            <a:off x="3302468" y="1943201"/>
+            <a:ext cx="8724900" cy="2990850"/>
           </a:xfrm>
           <a:prstGeom prst="rect">
             <a:avLst/>
@@ -5224,7 +5266,7 @@
       </p:sp>
       <p:pic>
         <p:nvPicPr>
-          <p:cNvPr id="5" name="Picture 4"/>
+          <p:cNvPr id="4" name="Picture 3"/>
           <p:cNvPicPr>
             <a:picLocks noChangeAspect="1"/>
           </p:cNvPicPr>
@@ -5238,8 +5280,8 @@
         </p:blipFill>
         <p:spPr>
           <a:xfrm>
-            <a:off x="1425437" y="2867041"/>
-            <a:ext cx="9334500" cy="1562100"/>
+            <a:off x="1528736" y="2869030"/>
+            <a:ext cx="9127684" cy="1597092"/>
           </a:xfrm>
           <a:prstGeom prst="rect">
             <a:avLst/>
@@ -5410,13 +5452,7 @@
               <a:rPr lang="fr-FR" sz="2800" smtClean="0">
                 <a:latin typeface="+mj-lt"/>
               </a:rPr>
-              <a:t>marges</a:t>
-            </a:r>
-            <a:r>
-              <a:rPr lang="fr-FR" sz="2800" smtClean="0">
-                <a:latin typeface="+mj-lt"/>
-              </a:rPr>
-              <a:t>)</a:t>
+              <a:t>marges)</a:t>
             </a:r>
             <a:endParaRPr lang="fr-FR" sz="2800" dirty="0" smtClean="0">
               <a:latin typeface="+mj-lt"/>
@@ -5464,6 +5500,30 @@
           <a:xfrm>
             <a:off x="6946516" y="320675"/>
             <a:ext cx="4686417" cy="6400800"/>
+          </a:xfrm>
+          <a:prstGeom prst="rect">
+            <a:avLst/>
+          </a:prstGeom>
+        </p:spPr>
+      </p:pic>
+      <p:pic>
+        <p:nvPicPr>
+          <p:cNvPr id="5" name="Picture 4"/>
+          <p:cNvPicPr>
+            <a:picLocks noChangeAspect="1"/>
+          </p:cNvPicPr>
+          <p:nvPr/>
+        </p:nvPicPr>
+        <p:blipFill>
+          <a:blip r:embed="rId4"/>
+          <a:stretch>
+            <a:fillRect/>
+          </a:stretch>
+        </p:blipFill>
+        <p:spPr>
+          <a:xfrm>
+            <a:off x="3572076" y="5683250"/>
+            <a:ext cx="3257550" cy="1038225"/>
           </a:xfrm>
           <a:prstGeom prst="rect">
             <a:avLst/>

--- a/Présentation Générateur de citations.pptx
+++ b/Présentation Générateur de citations.pptx
@@ -5,7 +5,7 @@
     <p:sldMasterId id="2147483648" r:id="rId1"/>
   </p:sldMasterIdLst>
   <p:notesMasterIdLst>
-    <p:notesMasterId r:id="rId14"/>
+    <p:notesMasterId r:id="rId13"/>
   </p:notesMasterIdLst>
   <p:sldIdLst>
     <p:sldId id="278" r:id="rId2"/>
@@ -15,11 +15,10 @@
     <p:sldId id="308" r:id="rId6"/>
     <p:sldId id="309" r:id="rId7"/>
     <p:sldId id="310" r:id="rId8"/>
-    <p:sldId id="311" r:id="rId9"/>
-    <p:sldId id="312" r:id="rId10"/>
-    <p:sldId id="313" r:id="rId11"/>
-    <p:sldId id="314" r:id="rId12"/>
-    <p:sldId id="315" r:id="rId13"/>
+    <p:sldId id="313" r:id="rId9"/>
+    <p:sldId id="311" r:id="rId10"/>
+    <p:sldId id="314" r:id="rId11"/>
+    <p:sldId id="315" r:id="rId12"/>
   </p:sldIdLst>
   <p:sldSz cx="12192000" cy="6858000"/>
   <p:notesSz cx="6858000" cy="9144000"/>
@@ -208,7 +207,7 @@
           <a:p>
             <a:fld id="{B96593A0-10E1-45D8-B447-E2C6C9553211}" type="datetimeFigureOut">
               <a:rPr lang="fr-FR" smtClean="0"/>
-              <a:t>09/09/2019</a:t>
+              <a:t>18/09/2019</a:t>
             </a:fld>
             <a:endParaRPr lang="fr-FR"/>
           </a:p>
@@ -607,7 +606,7 @@
           <a:p>
             <a:fld id="{C2877114-3D43-4EEC-8F3A-66D36BB90326}" type="datetime1">
               <a:rPr lang="fr-FR" smtClean="0"/>
-              <a:t>09/09/2019</a:t>
+              <a:t>18/09/2019</a:t>
             </a:fld>
             <a:endParaRPr lang="fr-FR"/>
           </a:p>
@@ -777,7 +776,7 @@
           <a:p>
             <a:fld id="{A3E75D5E-B12C-4BC5-98AD-85D9DAB994E4}" type="datetime1">
               <a:rPr lang="fr-FR" smtClean="0"/>
-              <a:t>09/09/2019</a:t>
+              <a:t>18/09/2019</a:t>
             </a:fld>
             <a:endParaRPr lang="fr-FR"/>
           </a:p>
@@ -957,7 +956,7 @@
           <a:p>
             <a:fld id="{E6890DF2-2842-4B41-A8BF-CF05DAEDE902}" type="datetime1">
               <a:rPr lang="fr-FR" smtClean="0"/>
-              <a:t>09/09/2019</a:t>
+              <a:t>18/09/2019</a:t>
             </a:fld>
             <a:endParaRPr lang="fr-FR"/>
           </a:p>
@@ -1127,7 +1126,7 @@
           <a:p>
             <a:fld id="{372FC9D2-824F-454A-B580-F96D91C076C5}" type="datetime1">
               <a:rPr lang="fr-FR" smtClean="0"/>
-              <a:t>09/09/2019</a:t>
+              <a:t>18/09/2019</a:t>
             </a:fld>
             <a:endParaRPr lang="fr-FR"/>
           </a:p>
@@ -1373,7 +1372,7 @@
           <a:p>
             <a:fld id="{AF229596-061C-4882-ACA4-8C6050124908}" type="datetime1">
               <a:rPr lang="fr-FR" smtClean="0"/>
-              <a:t>09/09/2019</a:t>
+              <a:t>18/09/2019</a:t>
             </a:fld>
             <a:endParaRPr lang="fr-FR"/>
           </a:p>
@@ -1605,7 +1604,7 @@
           <a:p>
             <a:fld id="{79440041-AD91-4CB7-B746-1AAC2CD33AA9}" type="datetime1">
               <a:rPr lang="fr-FR" smtClean="0"/>
-              <a:t>09/09/2019</a:t>
+              <a:t>18/09/2019</a:t>
             </a:fld>
             <a:endParaRPr lang="fr-FR"/>
           </a:p>
@@ -1972,7 +1971,7 @@
           <a:p>
             <a:fld id="{A16B379F-691C-4295-8499-8D3A72045B6E}" type="datetime1">
               <a:rPr lang="fr-FR" smtClean="0"/>
-              <a:t>09/09/2019</a:t>
+              <a:t>18/09/2019</a:t>
             </a:fld>
             <a:endParaRPr lang="fr-FR"/>
           </a:p>
@@ -2090,7 +2089,7 @@
           <a:p>
             <a:fld id="{F390FD0A-8DAA-4227-B979-AB62C33BD7D8}" type="datetime1">
               <a:rPr lang="fr-FR" smtClean="0"/>
-              <a:t>09/09/2019</a:t>
+              <a:t>18/09/2019</a:t>
             </a:fld>
             <a:endParaRPr lang="fr-FR"/>
           </a:p>
@@ -2185,7 +2184,7 @@
           <a:p>
             <a:fld id="{86D633DA-F033-478A-B3AA-1AF08C671675}" type="datetime1">
               <a:rPr lang="fr-FR" smtClean="0"/>
-              <a:t>09/09/2019</a:t>
+              <a:t>18/09/2019</a:t>
             </a:fld>
             <a:endParaRPr lang="fr-FR"/>
           </a:p>
@@ -2462,7 +2461,7 @@
           <a:p>
             <a:fld id="{55795FA5-0B9B-4E83-9BDC-3DD7E1B1FC62}" type="datetime1">
               <a:rPr lang="fr-FR" smtClean="0"/>
-              <a:t>09/09/2019</a:t>
+              <a:t>18/09/2019</a:t>
             </a:fld>
             <a:endParaRPr lang="fr-FR"/>
           </a:p>
@@ -2715,7 +2714,7 @@
           <a:p>
             <a:fld id="{6156AAA1-E81F-468E-97E9-6B2EF830AD46}" type="datetime1">
               <a:rPr lang="fr-FR" smtClean="0"/>
-              <a:t>09/09/2019</a:t>
+              <a:t>18/09/2019</a:t>
             </a:fld>
             <a:endParaRPr lang="fr-FR"/>
           </a:p>
@@ -2928,7 +2927,7 @@
           <a:p>
             <a:fld id="{4CF42A4D-0074-4A4F-8902-A0DD9B4A3741}" type="datetime1">
               <a:rPr lang="fr-FR" smtClean="0"/>
-              <a:t>09/09/2019</a:t>
+              <a:t>18/09/2019</a:t>
             </a:fld>
             <a:endParaRPr lang="fr-FR"/>
           </a:p>
@@ -3595,13 +3594,13 @@
         </p:nvSpPr>
         <p:spPr>
           <a:xfrm>
-            <a:off x="648101" y="2136808"/>
-            <a:ext cx="11171722" cy="4584667"/>
+            <a:off x="648101" y="1913861"/>
+            <a:ext cx="11171722" cy="4944140"/>
           </a:xfrm>
         </p:spPr>
         <p:txBody>
           <a:bodyPr>
-            <a:normAutofit fontScale="92500" lnSpcReduction="10000"/>
+            <a:normAutofit/>
           </a:bodyPr>
           <a:lstStyle/>
           <a:p>
@@ -3610,28 +3609,7 @@
               <a:rPr lang="fr-FR" sz="2800" b="1" dirty="0" smtClean="0">
                 <a:latin typeface="+mj-lt"/>
               </a:rPr>
-              <a:t>Choix de la </a:t>
-            </a:r>
-            <a:r>
-              <a:rPr lang="fr-FR" sz="2800" b="1" dirty="0" smtClean="0">
-                <a:latin typeface="+mj-lt"/>
-              </a:rPr>
-              <a:t>série</a:t>
-            </a:r>
-          </a:p>
-          <a:p>
-            <a:pPr algn="l"/>
-            <a:r>
-              <a:rPr lang="fr-FR" sz="2800" b="1" dirty="0">
-                <a:latin typeface="+mj-lt"/>
-              </a:rPr>
-              <a:t>e</a:t>
-            </a:r>
-            <a:r>
-              <a:rPr lang="fr-FR" sz="2800" b="1" dirty="0" smtClean="0">
-                <a:latin typeface="+mj-lt"/>
-              </a:rPr>
-              <a:t>t concaténation</a:t>
+              <a:t>Choix du nombre de citations à générer</a:t>
             </a:r>
             <a:endParaRPr lang="fr-FR" sz="2800" b="1" dirty="0">
               <a:latin typeface="+mj-lt"/>
@@ -3671,30 +3649,57 @@
             </a:endParaRPr>
           </a:p>
           <a:p>
+            <a:pPr marL="457200" indent="-457200" algn="l">
+              <a:buFont typeface="Arial" panose="020B0604020202020204" pitchFamily="34" charset="0"/>
+              <a:buChar char="•"/>
+            </a:pPr>
+            <a:endParaRPr lang="fr-FR" sz="1200" dirty="0">
+              <a:latin typeface="+mj-lt"/>
+            </a:endParaRPr>
+          </a:p>
+          <a:p>
             <a:pPr algn="l"/>
             <a:endParaRPr lang="fr-FR" sz="2800" dirty="0" smtClean="0">
               <a:latin typeface="+mj-lt"/>
             </a:endParaRPr>
           </a:p>
           <a:p>
+            <a:pPr algn="l"/>
+            <a:endParaRPr lang="fr-FR" sz="2800" dirty="0" smtClean="0">
+              <a:latin typeface="+mj-lt"/>
+            </a:endParaRPr>
+          </a:p>
+          <a:p>
             <a:pPr marL="457200" indent="-457200" algn="l">
               <a:buFont typeface="Arial" panose="020B0604020202020204" pitchFamily="34" charset="0"/>
               <a:buChar char="•"/>
             </a:pPr>
             <a:r>
-              <a:rPr lang="fr-FR" sz="2800" dirty="0" smtClean="0">
-                <a:latin typeface="+mj-lt"/>
-              </a:rPr>
-              <a:t>Décide </a:t>
-            </a:r>
-            <a:r>
-              <a:rPr lang="fr-FR" sz="2800" dirty="0" smtClean="0">
-                <a:latin typeface="+mj-lt"/>
-              </a:rPr>
-              <a:t>de la citation à générer en fonction du choix de série (bouton radio) de </a:t>
-            </a:r>
-            <a:r>
-              <a:rPr lang="fr-FR" sz="2800" dirty="0" smtClean="0">
+              <a:rPr lang="fr-FR" dirty="0" smtClean="0">
+                <a:latin typeface="+mj-lt"/>
+              </a:rPr>
+              <a:t>Récupère le nombre de citations à générer </a:t>
+            </a:r>
+            <a:r>
+              <a:rPr lang="fr-FR" dirty="0" smtClean="0">
+                <a:latin typeface="+mj-lt"/>
+              </a:rPr>
+              <a:t>et la série en </a:t>
+            </a:r>
+            <a:r>
+              <a:rPr lang="fr-FR" dirty="0" smtClean="0">
+                <a:latin typeface="+mj-lt"/>
+              </a:rPr>
+              <a:t>fonction du choix </a:t>
+            </a:r>
+            <a:r>
+              <a:rPr lang="fr-FR" dirty="0" smtClean="0">
+                <a:latin typeface="+mj-lt"/>
+              </a:rPr>
+              <a:t>de </a:t>
+            </a:r>
+            <a:r>
+              <a:rPr lang="fr-FR" dirty="0" smtClean="0">
                 <a:latin typeface="+mj-lt"/>
               </a:rPr>
               <a:t>l’utilisateur</a:t>
@@ -3706,27 +3711,18 @@
               <a:buChar char="•"/>
             </a:pPr>
             <a:r>
-              <a:rPr lang="fr-FR" sz="2800" dirty="0" smtClean="0">
-                <a:latin typeface="+mj-lt"/>
-              </a:rPr>
-              <a:t>Concaténation des bouts de phrase générés</a:t>
-            </a:r>
-            <a:endParaRPr lang="fr-FR" sz="2800" dirty="0" smtClean="0">
-              <a:latin typeface="+mj-lt"/>
-            </a:endParaRPr>
-          </a:p>
-          <a:p>
-            <a:pPr marL="457200" indent="-457200" algn="l">
-              <a:buFont typeface="Arial" panose="020B0604020202020204" pitchFamily="34" charset="0"/>
-              <a:buChar char="•"/>
-            </a:pPr>
-            <a:r>
-              <a:rPr lang="fr-FR" sz="2800" dirty="0" smtClean="0">
-                <a:latin typeface="+mj-lt"/>
-              </a:rPr>
-              <a:t>Affiche un message d’erreur si aucun choix n’a été fait</a:t>
-            </a:r>
-            <a:endParaRPr lang="fr-FR" sz="2800" dirty="0">
+              <a:rPr lang="fr-FR" dirty="0">
+                <a:latin typeface="+mj-lt"/>
+              </a:rPr>
+              <a:t>Affiche un message d’erreur </a:t>
+            </a:r>
+            <a:r>
+              <a:rPr lang="fr-FR" dirty="0" smtClean="0">
+                <a:latin typeface="+mj-lt"/>
+              </a:rPr>
+              <a:t>s’il manque un choix</a:t>
+            </a:r>
+            <a:endParaRPr lang="fr-FR" dirty="0">
               <a:latin typeface="+mj-lt"/>
             </a:endParaRPr>
           </a:p>
@@ -3751,7 +3747,7 @@
               <a:rPr lang="fr-FR" smtClean="0"/>
               <a:t>10</a:t>
             </a:fld>
-            <a:endParaRPr lang="fr-FR"/>
+            <a:endParaRPr lang="fr-FR" dirty="0"/>
           </a:p>
         </p:txBody>
       </p:sp>
@@ -3771,8 +3767,8 @@
         </p:blipFill>
         <p:spPr>
           <a:xfrm>
-            <a:off x="3302468" y="1943201"/>
-            <a:ext cx="8724900" cy="2990850"/>
+            <a:off x="1349237" y="2470261"/>
+            <a:ext cx="9486900" cy="2971800"/>
           </a:xfrm>
           <a:prstGeom prst="rect">
             <a:avLst/>
@@ -3782,7 +3778,7 @@
     </p:spTree>
     <p:extLst>
       <p:ext uri="{BB962C8B-B14F-4D97-AF65-F5344CB8AC3E}">
-        <p14:creationId xmlns:p14="http://schemas.microsoft.com/office/powerpoint/2010/main" val="3647055575"/>
+        <p14:creationId xmlns:p14="http://schemas.microsoft.com/office/powerpoint/2010/main" val="2058655397"/>
       </p:ext>
     </p:extLst>
   </p:cSld>
@@ -3895,8 +3891,8 @@
         </p:nvSpPr>
         <p:spPr>
           <a:xfrm>
-            <a:off x="648101" y="2136808"/>
-            <a:ext cx="11171722" cy="4584667"/>
+            <a:off x="212651" y="1945759"/>
+            <a:ext cx="4036126" cy="2061116"/>
           </a:xfrm>
         </p:spPr>
         <p:txBody>
@@ -3910,17 +3906,53 @@
               <a:rPr lang="fr-FR" sz="2800" b="1" dirty="0" smtClean="0">
                 <a:latin typeface="+mj-lt"/>
               </a:rPr>
-              <a:t>Choix du nombre de citations à générer</a:t>
+              <a:t>Générer la citation</a:t>
             </a:r>
             <a:endParaRPr lang="fr-FR" sz="2800" b="1" dirty="0">
               <a:latin typeface="+mj-lt"/>
             </a:endParaRPr>
           </a:p>
           <a:p>
-            <a:pPr algn="l"/>
-            <a:endParaRPr lang="fr-FR" sz="2800" b="1" dirty="0" smtClean="0">
-              <a:latin typeface="+mj-lt"/>
-            </a:endParaRPr>
+            <a:pPr marL="457200" indent="-457200" algn="l">
+              <a:buFont typeface="Arial" panose="020B0604020202020204" pitchFamily="34" charset="0"/>
+              <a:buChar char="•"/>
+            </a:pPr>
+            <a:r>
+              <a:rPr lang="fr-FR" dirty="0">
+                <a:latin typeface="+mj-lt"/>
+              </a:rPr>
+              <a:t>Récupère le nombre de citations dans une </a:t>
+            </a:r>
+            <a:r>
+              <a:rPr lang="fr-FR" dirty="0" smtClean="0">
+                <a:latin typeface="+mj-lt"/>
+              </a:rPr>
+              <a:t>var</a:t>
+            </a:r>
+          </a:p>
+          <a:p>
+            <a:pPr marL="457200" indent="-457200" algn="l">
+              <a:buFont typeface="Arial" panose="020B0604020202020204" pitchFamily="34" charset="0"/>
+              <a:buChar char="•"/>
+            </a:pPr>
+            <a:r>
+              <a:rPr lang="fr-FR" dirty="0" smtClean="0">
+                <a:latin typeface="+mj-lt"/>
+              </a:rPr>
+              <a:t>Récupère le bloc HTML à modifier (avec l’</a:t>
+            </a:r>
+            <a:r>
+              <a:rPr lang="fr-FR" i="1" dirty="0" smtClean="0">
+                <a:latin typeface="+mj-lt"/>
+              </a:rPr>
+              <a:t>id</a:t>
+            </a:r>
+            <a:r>
+              <a:rPr lang="fr-FR" dirty="0" smtClean="0">
+                <a:latin typeface="+mj-lt"/>
+              </a:rPr>
+              <a:t>)</a:t>
+            </a:r>
           </a:p>
           <a:p>
             <a:pPr marL="457200" indent="-457200" algn="l">
@@ -3964,42 +3996,6 @@
               <a:latin typeface="+mj-lt"/>
             </a:endParaRPr>
           </a:p>
-          <a:p>
-            <a:pPr marL="457200" indent="-457200" algn="l">
-              <a:buFont typeface="Arial" panose="020B0604020202020204" pitchFamily="34" charset="0"/>
-              <a:buChar char="•"/>
-            </a:pPr>
-            <a:r>
-              <a:rPr lang="fr-FR" sz="2800" dirty="0" smtClean="0">
-                <a:latin typeface="+mj-lt"/>
-              </a:rPr>
-              <a:t>Récupère le nombre de citations à générer en fonction du choix (bouton radio) de l’utilisateur</a:t>
-            </a:r>
-          </a:p>
-          <a:p>
-            <a:pPr marL="457200" indent="-457200" algn="l">
-              <a:buFont typeface="Arial" panose="020B0604020202020204" pitchFamily="34" charset="0"/>
-              <a:buChar char="•"/>
-            </a:pPr>
-            <a:r>
-              <a:rPr lang="fr-FR" sz="2800" dirty="0">
-                <a:latin typeface="+mj-lt"/>
-              </a:rPr>
-              <a:t>Affiche un message d’erreur si aucun choix n’a été fait</a:t>
-            </a:r>
-          </a:p>
-          <a:p>
-            <a:pPr marL="457200" indent="-457200" algn="l">
-              <a:buFont typeface="Arial" panose="020B0604020202020204" pitchFamily="34" charset="0"/>
-              <a:buChar char="•"/>
-            </a:pPr>
-            <a:endParaRPr lang="fr-FR" sz="1400" dirty="0" smtClean="0">
-              <a:solidFill>
-                <a:schemeClr val="accent5"/>
-              </a:solidFill>
-              <a:latin typeface="+mj-lt"/>
-            </a:endParaRPr>
-          </a:p>
         </p:txBody>
       </p:sp>
       <p:sp>
@@ -4027,7 +4023,7 @@
       </p:sp>
       <p:pic>
         <p:nvPicPr>
-          <p:cNvPr id="9" name="Picture 8"/>
+          <p:cNvPr id="4" name="Picture 3"/>
           <p:cNvPicPr>
             <a:picLocks noChangeAspect="1"/>
           </p:cNvPicPr>
@@ -4041,174 +4037,366 @@
         </p:blipFill>
         <p:spPr>
           <a:xfrm>
-            <a:off x="1582599" y="2747257"/>
-            <a:ext cx="9020175" cy="2266950"/>
+            <a:off x="4579164" y="883701"/>
+            <a:ext cx="7400148" cy="3022848"/>
           </a:xfrm>
           <a:prstGeom prst="rect">
             <a:avLst/>
           </a:prstGeom>
         </p:spPr>
       </p:pic>
-    </p:spTree>
-    <p:extLst>
-      <p:ext uri="{BB962C8B-B14F-4D97-AF65-F5344CB8AC3E}">
-        <p14:creationId xmlns:p14="http://schemas.microsoft.com/office/powerpoint/2010/main" val="2058655397"/>
-      </p:ext>
-    </p:extLst>
-  </p:cSld>
-  <p:clrMapOvr>
-    <a:masterClrMapping/>
-  </p:clrMapOvr>
-  <p:timing>
-    <p:tnLst>
-      <p:par>
-        <p:cTn id="1" dur="indefinite" restart="never" nodeType="tmRoot"/>
-      </p:par>
-    </p:tnLst>
-  </p:timing>
-</p:sld>
-</file>
-
-<file path=ppt/slides/slide12.xml><?xml version="1.0" encoding="utf-8"?>
-<p:sld xmlns:a="http://schemas.openxmlformats.org/drawingml/2006/main" xmlns:r="http://schemas.openxmlformats.org/officeDocument/2006/relationships" xmlns:p="http://schemas.openxmlformats.org/presentationml/2006/main">
-  <p:cSld>
-    <p:spTree>
-      <p:nvGrpSpPr>
-        <p:cNvPr id="1" name=""/>
-        <p:cNvGrpSpPr/>
-        <p:nvPr/>
-      </p:nvGrpSpPr>
-      <p:grpSpPr>
-        <a:xfrm>
-          <a:off x="0" y="0"/>
-          <a:ext cx="0" cy="0"/>
-          <a:chOff x="0" y="0"/>
-          <a:chExt cx="0" cy="0"/>
-        </a:xfrm>
-      </p:grpSpPr>
-      <p:pic>
-        <p:nvPicPr>
-          <p:cNvPr id="7" name="Picture 6"/>
-          <p:cNvPicPr>
-            <a:picLocks noChangeAspect="1"/>
-          </p:cNvPicPr>
+      <p:sp>
+        <p:nvSpPr>
+          <p:cNvPr id="8" name="Subtitle 2"/>
+          <p:cNvSpPr txBox="1">
+            <a:spLocks/>
+          </p:cNvSpPr>
           <p:nvPr/>
-        </p:nvPicPr>
-        <p:blipFill rotWithShape="1">
-          <a:blip r:embed="rId2">
-            <a:extLst>
-              <a:ext uri="{28A0092B-C50C-407E-A947-70E740481C1C}">
-                <a14:useLocalDpi xmlns:a14="http://schemas.microsoft.com/office/drawing/2010/main" val="0"/>
-              </a:ext>
-            </a:extLst>
-          </a:blip>
-          <a:srcRect t="31948" r="32181" b="58231"/>
-          <a:stretch/>
-        </p:blipFill>
-        <p:spPr>
-          <a:xfrm>
-            <a:off x="0" y="550117"/>
-            <a:ext cx="12185375" cy="1169354"/>
+        </p:nvSpPr>
+        <p:spPr>
+          <a:xfrm>
+            <a:off x="212651" y="4006876"/>
+            <a:ext cx="11355572" cy="2714600"/>
           </a:xfrm>
           <a:prstGeom prst="rect">
             <a:avLst/>
           </a:prstGeom>
         </p:spPr>
-      </p:pic>
-      <p:sp>
-        <p:nvSpPr>
-          <p:cNvPr id="2" name="Title 1"/>
-          <p:cNvSpPr>
-            <a:spLocks noGrp="1"/>
-          </p:cNvSpPr>
-          <p:nvPr>
-            <p:ph type="ctrTitle"/>
-          </p:nvPr>
-        </p:nvSpPr>
-        <p:spPr>
-          <a:xfrm>
-            <a:off x="648101" y="650444"/>
-            <a:ext cx="4058653" cy="968700"/>
-          </a:xfrm>
-        </p:spPr>
-        <p:txBody>
-          <a:bodyPr/>
-          <a:lstStyle/>
-          <a:p>
-            <a:r>
-              <a:rPr lang="fr-FR" dirty="0" smtClean="0">
+        <p:txBody>
+          <a:bodyPr vert="horz" lIns="91440" tIns="45720" rIns="91440" bIns="45720" rtlCol="0">
+            <a:normAutofit/>
+          </a:bodyPr>
+          <a:lstStyle>
+            <a:lvl1pPr marL="0" indent="0" algn="ctr" defTabSz="914400" rtl="0" eaLnBrk="1" latinLnBrk="0" hangingPunct="1">
+              <a:lnSpc>
+                <a:spcPct val="90000"/>
+              </a:lnSpc>
+              <a:spcBef>
+                <a:spcPts val="1000"/>
+              </a:spcBef>
+              <a:buFont typeface="Arial" panose="020B0604020202020204" pitchFamily="34" charset="0"/>
+              <a:buNone/>
+              <a:defRPr sz="2400" kern="1200">
                 <a:solidFill>
-                  <a:schemeClr val="bg1"/>
+                  <a:schemeClr val="tx1"/>
                 </a:solidFill>
                 <a:latin typeface="+mn-lt"/>
-              </a:rPr>
-              <a:t>JavaScript</a:t>
-            </a:r>
-            <a:endParaRPr lang="fr-FR" dirty="0">
-              <a:solidFill>
-                <a:schemeClr val="bg1"/>
-              </a:solidFill>
-              <a:latin typeface="+mn-lt"/>
-            </a:endParaRPr>
-          </a:p>
-        </p:txBody>
-      </p:sp>
-      <p:sp>
-        <p:nvSpPr>
-          <p:cNvPr id="3" name="Subtitle 2"/>
-          <p:cNvSpPr>
-            <a:spLocks noGrp="1"/>
-          </p:cNvSpPr>
-          <p:nvPr>
-            <p:ph type="subTitle" idx="1"/>
-          </p:nvPr>
-        </p:nvSpPr>
-        <p:spPr>
-          <a:xfrm>
-            <a:off x="648101" y="2136808"/>
-            <a:ext cx="11171722" cy="4584667"/>
-          </a:xfrm>
-        </p:spPr>
-        <p:txBody>
-          <a:bodyPr>
-            <a:normAutofit/>
-          </a:bodyPr>
-          <a:lstStyle/>
-          <a:p>
-            <a:pPr algn="l"/>
-            <a:r>
-              <a:rPr lang="fr-FR" sz="2800" b="1" dirty="0" smtClean="0">
-                <a:latin typeface="+mj-lt"/>
-              </a:rPr>
-              <a:t>Générer la citation</a:t>
-            </a:r>
-            <a:endParaRPr lang="fr-FR" sz="2800" b="1" dirty="0">
-              <a:latin typeface="+mj-lt"/>
-            </a:endParaRPr>
-          </a:p>
-          <a:p>
-            <a:pPr algn="l"/>
-            <a:endParaRPr lang="fr-FR" sz="2800" b="1" dirty="0" smtClean="0">
-              <a:latin typeface="+mj-lt"/>
-            </a:endParaRPr>
-          </a:p>
+                <a:ea typeface="+mn-ea"/>
+                <a:cs typeface="+mn-cs"/>
+              </a:defRPr>
+            </a:lvl1pPr>
+            <a:lvl2pPr marL="457200" indent="0" algn="ctr" defTabSz="914400" rtl="0" eaLnBrk="1" latinLnBrk="0" hangingPunct="1">
+              <a:lnSpc>
+                <a:spcPct val="90000"/>
+              </a:lnSpc>
+              <a:spcBef>
+                <a:spcPts val="500"/>
+              </a:spcBef>
+              <a:buFont typeface="Arial" panose="020B0604020202020204" pitchFamily="34" charset="0"/>
+              <a:buNone/>
+              <a:defRPr sz="2000" kern="1200">
+                <a:solidFill>
+                  <a:schemeClr val="tx1"/>
+                </a:solidFill>
+                <a:latin typeface="+mn-lt"/>
+                <a:ea typeface="+mn-ea"/>
+                <a:cs typeface="+mn-cs"/>
+              </a:defRPr>
+            </a:lvl2pPr>
+            <a:lvl3pPr marL="914400" indent="0" algn="ctr" defTabSz="914400" rtl="0" eaLnBrk="1" latinLnBrk="0" hangingPunct="1">
+              <a:lnSpc>
+                <a:spcPct val="90000"/>
+              </a:lnSpc>
+              <a:spcBef>
+                <a:spcPts val="500"/>
+              </a:spcBef>
+              <a:buFont typeface="Arial" panose="020B0604020202020204" pitchFamily="34" charset="0"/>
+              <a:buNone/>
+              <a:defRPr sz="1800" kern="1200">
+                <a:solidFill>
+                  <a:schemeClr val="tx1"/>
+                </a:solidFill>
+                <a:latin typeface="+mn-lt"/>
+                <a:ea typeface="+mn-ea"/>
+                <a:cs typeface="+mn-cs"/>
+              </a:defRPr>
+            </a:lvl3pPr>
+            <a:lvl4pPr marL="1371600" indent="0" algn="ctr" defTabSz="914400" rtl="0" eaLnBrk="1" latinLnBrk="0" hangingPunct="1">
+              <a:lnSpc>
+                <a:spcPct val="90000"/>
+              </a:lnSpc>
+              <a:spcBef>
+                <a:spcPts val="500"/>
+              </a:spcBef>
+              <a:buFont typeface="Arial" panose="020B0604020202020204" pitchFamily="34" charset="0"/>
+              <a:buNone/>
+              <a:defRPr sz="1600" kern="1200">
+                <a:solidFill>
+                  <a:schemeClr val="tx1"/>
+                </a:solidFill>
+                <a:latin typeface="+mn-lt"/>
+                <a:ea typeface="+mn-ea"/>
+                <a:cs typeface="+mn-cs"/>
+              </a:defRPr>
+            </a:lvl4pPr>
+            <a:lvl5pPr marL="1828800" indent="0" algn="ctr" defTabSz="914400" rtl="0" eaLnBrk="1" latinLnBrk="0" hangingPunct="1">
+              <a:lnSpc>
+                <a:spcPct val="90000"/>
+              </a:lnSpc>
+              <a:spcBef>
+                <a:spcPts val="500"/>
+              </a:spcBef>
+              <a:buFont typeface="Arial" panose="020B0604020202020204" pitchFamily="34" charset="0"/>
+              <a:buNone/>
+              <a:defRPr sz="1600" kern="1200">
+                <a:solidFill>
+                  <a:schemeClr val="tx1"/>
+                </a:solidFill>
+                <a:latin typeface="+mn-lt"/>
+                <a:ea typeface="+mn-ea"/>
+                <a:cs typeface="+mn-cs"/>
+              </a:defRPr>
+            </a:lvl5pPr>
+            <a:lvl6pPr marL="2286000" indent="0" algn="ctr" defTabSz="914400" rtl="0" eaLnBrk="1" latinLnBrk="0" hangingPunct="1">
+              <a:lnSpc>
+                <a:spcPct val="90000"/>
+              </a:lnSpc>
+              <a:spcBef>
+                <a:spcPts val="500"/>
+              </a:spcBef>
+              <a:buFont typeface="Arial" panose="020B0604020202020204" pitchFamily="34" charset="0"/>
+              <a:buNone/>
+              <a:defRPr sz="1600" kern="1200">
+                <a:solidFill>
+                  <a:schemeClr val="tx1"/>
+                </a:solidFill>
+                <a:latin typeface="+mn-lt"/>
+                <a:ea typeface="+mn-ea"/>
+                <a:cs typeface="+mn-cs"/>
+              </a:defRPr>
+            </a:lvl6pPr>
+            <a:lvl7pPr marL="2743200" indent="0" algn="ctr" defTabSz="914400" rtl="0" eaLnBrk="1" latinLnBrk="0" hangingPunct="1">
+              <a:lnSpc>
+                <a:spcPct val="90000"/>
+              </a:lnSpc>
+              <a:spcBef>
+                <a:spcPts val="500"/>
+              </a:spcBef>
+              <a:buFont typeface="Arial" panose="020B0604020202020204" pitchFamily="34" charset="0"/>
+              <a:buNone/>
+              <a:defRPr sz="1600" kern="1200">
+                <a:solidFill>
+                  <a:schemeClr val="tx1"/>
+                </a:solidFill>
+                <a:latin typeface="+mn-lt"/>
+                <a:ea typeface="+mn-ea"/>
+                <a:cs typeface="+mn-cs"/>
+              </a:defRPr>
+            </a:lvl7pPr>
+            <a:lvl8pPr marL="3200400" indent="0" algn="ctr" defTabSz="914400" rtl="0" eaLnBrk="1" latinLnBrk="0" hangingPunct="1">
+              <a:lnSpc>
+                <a:spcPct val="90000"/>
+              </a:lnSpc>
+              <a:spcBef>
+                <a:spcPts val="500"/>
+              </a:spcBef>
+              <a:buFont typeface="Arial" panose="020B0604020202020204" pitchFamily="34" charset="0"/>
+              <a:buNone/>
+              <a:defRPr sz="1600" kern="1200">
+                <a:solidFill>
+                  <a:schemeClr val="tx1"/>
+                </a:solidFill>
+                <a:latin typeface="+mn-lt"/>
+                <a:ea typeface="+mn-ea"/>
+                <a:cs typeface="+mn-cs"/>
+              </a:defRPr>
+            </a:lvl8pPr>
+            <a:lvl9pPr marL="3657600" indent="0" algn="ctr" defTabSz="914400" rtl="0" eaLnBrk="1" latinLnBrk="0" hangingPunct="1">
+              <a:lnSpc>
+                <a:spcPct val="90000"/>
+              </a:lnSpc>
+              <a:spcBef>
+                <a:spcPts val="500"/>
+              </a:spcBef>
+              <a:buFont typeface="Arial" panose="020B0604020202020204" pitchFamily="34" charset="0"/>
+              <a:buNone/>
+              <a:defRPr sz="1600" kern="1200">
+                <a:solidFill>
+                  <a:schemeClr val="tx1"/>
+                </a:solidFill>
+                <a:latin typeface="+mn-lt"/>
+                <a:ea typeface="+mn-ea"/>
+                <a:cs typeface="+mn-cs"/>
+              </a:defRPr>
+            </a:lvl9pPr>
+          </a:lstStyle>
           <a:p>
             <a:pPr marL="457200" indent="-457200" algn="l">
               <a:buFont typeface="Arial" panose="020B0604020202020204" pitchFamily="34" charset="0"/>
               <a:buChar char="•"/>
             </a:pPr>
-            <a:endParaRPr lang="fr-FR" sz="2800" dirty="0" smtClean="0">
-              <a:latin typeface="+mj-lt"/>
-            </a:endParaRPr>
+            <a:r>
+              <a:rPr lang="fr-FR" dirty="0">
+                <a:latin typeface="+mj-lt"/>
+              </a:rPr>
+              <a:t>Initialise le bloc pour le vider avant de générer</a:t>
+            </a:r>
           </a:p>
           <a:p>
             <a:pPr marL="457200" indent="-457200" algn="l">
               <a:buFont typeface="Arial" panose="020B0604020202020204" pitchFamily="34" charset="0"/>
               <a:buChar char="•"/>
             </a:pPr>
-            <a:endParaRPr lang="fr-FR" sz="2800" dirty="0" smtClean="0">
-              <a:latin typeface="+mj-lt"/>
-            </a:endParaRPr>
+            <a:r>
+              <a:rPr lang="fr-FR" dirty="0">
+                <a:latin typeface="+mj-lt"/>
+              </a:rPr>
+              <a:t>Boucle </a:t>
+            </a:r>
+            <a:r>
+              <a:rPr lang="fr-FR" i="1" dirty="0">
+                <a:latin typeface="+mj-lt"/>
+              </a:rPr>
+              <a:t>for</a:t>
+            </a:r>
+            <a:r>
+              <a:rPr lang="fr-FR" dirty="0">
+                <a:latin typeface="+mj-lt"/>
+              </a:rPr>
+              <a:t> : autant de fois que le nb de </a:t>
+            </a:r>
+            <a:r>
+              <a:rPr lang="fr-FR" dirty="0">
+                <a:latin typeface="+mj-lt"/>
+              </a:rPr>
+              <a:t>citations</a:t>
+            </a:r>
+          </a:p>
+          <a:p>
+            <a:pPr marL="457200" indent="-457200" algn="l">
+              <a:buFont typeface="Arial" panose="020B0604020202020204" pitchFamily="34" charset="0"/>
+              <a:buChar char="•"/>
+            </a:pPr>
+            <a:r>
+              <a:rPr lang="fr-FR" dirty="0" smtClean="0">
+                <a:latin typeface="+mj-lt"/>
+              </a:rPr>
+              <a:t>Création d’un </a:t>
+            </a:r>
+            <a:r>
+              <a:rPr lang="fr-FR" i="1" dirty="0" smtClean="0">
+                <a:latin typeface="+mj-lt"/>
+              </a:rPr>
+              <a:t>p </a:t>
+            </a:r>
+            <a:r>
+              <a:rPr lang="fr-FR" dirty="0" smtClean="0">
+                <a:latin typeface="+mj-lt"/>
+              </a:rPr>
+              <a:t>et</a:t>
+            </a:r>
+            <a:r>
+              <a:rPr lang="fr-FR" i="1" dirty="0" smtClean="0">
+                <a:latin typeface="+mj-lt"/>
+              </a:rPr>
+              <a:t> </a:t>
+            </a:r>
+            <a:r>
+              <a:rPr lang="fr-FR" dirty="0" smtClean="0">
+                <a:latin typeface="+mj-lt"/>
+              </a:rPr>
+              <a:t>attribution d’un </a:t>
+            </a:r>
+            <a:r>
+              <a:rPr lang="fr-FR" dirty="0">
+                <a:latin typeface="+mj-lt"/>
+              </a:rPr>
+              <a:t>style au bloc créé</a:t>
+            </a:r>
+          </a:p>
+          <a:p>
+            <a:pPr marL="457200" indent="-457200" algn="l">
+              <a:buFont typeface="Arial" panose="020B0604020202020204" pitchFamily="34" charset="0"/>
+              <a:buChar char="•"/>
+            </a:pPr>
+            <a:r>
+              <a:rPr lang="fr-FR" dirty="0">
+                <a:latin typeface="+mj-lt"/>
+              </a:rPr>
+              <a:t>Génération de la phrase : appel </a:t>
+            </a:r>
+            <a:r>
+              <a:rPr lang="fr-FR" dirty="0" smtClean="0">
+                <a:latin typeface="+mj-lt"/>
+              </a:rPr>
+              <a:t>de </a:t>
+            </a:r>
+            <a:r>
+              <a:rPr lang="fr-FR" dirty="0">
+                <a:latin typeface="+mj-lt"/>
+              </a:rPr>
+              <a:t>la fonction </a:t>
+            </a:r>
+            <a:r>
+              <a:rPr lang="fr-FR" i="1" dirty="0" err="1" smtClean="0">
+                <a:latin typeface="+mj-lt"/>
+              </a:rPr>
+              <a:t>choixSerie</a:t>
+            </a:r>
+            <a:r>
+              <a:rPr lang="fr-FR" i="1" dirty="0" smtClean="0">
+                <a:latin typeface="+mj-lt"/>
+              </a:rPr>
+              <a:t>()</a:t>
+            </a:r>
+          </a:p>
+          <a:p>
+            <a:pPr marL="457200" indent="-457200" algn="l">
+              <a:buFont typeface="Arial" panose="020B0604020202020204" pitchFamily="34" charset="0"/>
+              <a:buChar char="•"/>
+            </a:pPr>
+            <a:r>
+              <a:rPr lang="fr-FR" dirty="0" smtClean="0">
+                <a:latin typeface="+mj-lt"/>
+              </a:rPr>
+              <a:t>Insertion de la phrase dans le </a:t>
+            </a:r>
+            <a:r>
+              <a:rPr lang="fr-FR" i="1" dirty="0" smtClean="0">
+                <a:latin typeface="+mj-lt"/>
+              </a:rPr>
+              <a:t>p</a:t>
+            </a:r>
+            <a:r>
+              <a:rPr lang="fr-FR" dirty="0" smtClean="0">
+                <a:latin typeface="+mj-lt"/>
+              </a:rPr>
+              <a:t> créé</a:t>
+            </a:r>
+          </a:p>
+          <a:p>
+            <a:pPr marL="457200" indent="-457200" algn="l">
+              <a:buFont typeface="Arial" panose="020B0604020202020204" pitchFamily="34" charset="0"/>
+              <a:buChar char="•"/>
+            </a:pPr>
+            <a:r>
+              <a:rPr lang="fr-FR" dirty="0">
+                <a:latin typeface="+mj-lt"/>
+              </a:rPr>
+              <a:t>Insertion du p dans le bloc HTML (</a:t>
+            </a:r>
+            <a:r>
+              <a:rPr lang="fr-FR" i="1" dirty="0">
+                <a:latin typeface="+mj-lt"/>
+              </a:rPr>
+              <a:t>id</a:t>
+            </a:r>
+            <a:r>
+              <a:rPr lang="fr-FR" dirty="0">
+                <a:latin typeface="+mj-lt"/>
+              </a:rPr>
+              <a:t>)</a:t>
+            </a:r>
           </a:p>
           <a:p>
             <a:pPr marL="457200" indent="-457200" algn="l">
@@ -4224,7 +4412,7 @@
               <a:buFont typeface="Arial" panose="020B0604020202020204" pitchFamily="34" charset="0"/>
               <a:buChar char="•"/>
             </a:pPr>
-            <a:endParaRPr lang="fr-FR" sz="1200" dirty="0">
+            <a:endParaRPr lang="fr-FR" sz="1200" dirty="0" smtClean="0">
               <a:latin typeface="+mj-lt"/>
             </a:endParaRPr>
           </a:p>
@@ -4233,29 +4421,6 @@
             <a:endParaRPr lang="fr-FR" sz="2800" dirty="0" smtClean="0">
               <a:latin typeface="+mj-lt"/>
             </a:endParaRPr>
-          </a:p>
-        </p:txBody>
-      </p:sp>
-      <p:sp>
-        <p:nvSpPr>
-          <p:cNvPr id="6" name="Slide Number Placeholder 5"/>
-          <p:cNvSpPr>
-            <a:spLocks noGrp="1"/>
-          </p:cNvSpPr>
-          <p:nvPr>
-            <p:ph type="sldNum" sz="quarter" idx="12"/>
-          </p:nvPr>
-        </p:nvSpPr>
-        <p:spPr/>
-        <p:txBody>
-          <a:bodyPr/>
-          <a:lstStyle/>
-          <a:p>
-            <a:fld id="{D2FB707D-18BD-4399-92D3-F66879E860F7}" type="slidenum">
-              <a:rPr lang="fr-FR" smtClean="0"/>
-              <a:t>12</a:t>
-            </a:fld>
-            <a:endParaRPr lang="fr-FR"/>
           </a:p>
         </p:txBody>
       </p:sp>
@@ -5221,10 +5386,28 @@
               <a:buChar char="•"/>
             </a:pPr>
             <a:r>
+              <a:rPr lang="fr-FR" sz="2800" i="1" dirty="0">
+                <a:latin typeface="+mj-lt"/>
+              </a:rPr>
+              <a:t>i</a:t>
+            </a:r>
+            <a:r>
+              <a:rPr lang="fr-FR" sz="2800" i="1" dirty="0" smtClean="0">
+                <a:latin typeface="+mj-lt"/>
+              </a:rPr>
+              <a:t>d</a:t>
+            </a:r>
+            <a:r>
               <a:rPr lang="fr-FR" sz="2800" dirty="0" smtClean="0">
                 <a:latin typeface="+mj-lt"/>
               </a:rPr>
-              <a:t>&lt;p&gt; pour afficher les citations</a:t>
+              <a:t> pour </a:t>
+            </a:r>
+            <a:r>
+              <a:rPr lang="fr-FR" sz="2800" dirty="0" smtClean="0">
+                <a:latin typeface="+mj-lt"/>
+              </a:rPr>
+              <a:t>afficher les citations</a:t>
             </a:r>
           </a:p>
           <a:p>
@@ -5266,7 +5449,7 @@
       </p:sp>
       <p:pic>
         <p:nvPicPr>
-          <p:cNvPr id="4" name="Picture 3"/>
+          <p:cNvPr id="5" name="Picture 4"/>
           <p:cNvPicPr>
             <a:picLocks noChangeAspect="1"/>
           </p:cNvPicPr>
@@ -5280,8 +5463,8 @@
         </p:blipFill>
         <p:spPr>
           <a:xfrm>
-            <a:off x="1528736" y="2869030"/>
-            <a:ext cx="9127684" cy="1597092"/>
+            <a:off x="1361070" y="2859826"/>
+            <a:ext cx="9351121" cy="1573951"/>
           </a:xfrm>
           <a:prstGeom prst="rect">
             <a:avLst/>
@@ -5446,17 +5629,20 @@
               <a:rPr lang="fr-FR" sz="2800" dirty="0" smtClean="0">
                 <a:latin typeface="+mj-lt"/>
               </a:rPr>
-              <a:t>Ajouts sur le style des textes (polices, couleurs, </a:t>
-            </a:r>
-            <a:r>
-              <a:rPr lang="fr-FR" sz="2800" smtClean="0">
-                <a:latin typeface="+mj-lt"/>
-              </a:rPr>
-              <a:t>marges)</a:t>
-            </a:r>
-            <a:endParaRPr lang="fr-FR" sz="2800" dirty="0" smtClean="0">
-              <a:latin typeface="+mj-lt"/>
-            </a:endParaRPr>
+              <a:t>Ajouts sur le style des </a:t>
+            </a:r>
+            <a:r>
+              <a:rPr lang="fr-FR" sz="2800" dirty="0" smtClean="0">
+                <a:latin typeface="+mj-lt"/>
+              </a:rPr>
+              <a:t>textes et blocs </a:t>
+            </a:r>
+            <a:r>
+              <a:rPr lang="fr-FR" sz="2800" dirty="0" smtClean="0">
+                <a:latin typeface="+mj-lt"/>
+              </a:rPr>
+              <a:t>(polices, couleurs, marges)</a:t>
+            </a:r>
           </a:p>
         </p:txBody>
       </p:sp>
@@ -5508,7 +5694,7 @@
       </p:pic>
       <p:pic>
         <p:nvPicPr>
-          <p:cNvPr id="5" name="Picture 4"/>
+          <p:cNvPr id="8" name="Picture 7"/>
           <p:cNvPicPr>
             <a:picLocks noChangeAspect="1"/>
           </p:cNvPicPr>
@@ -5522,8 +5708,8 @@
         </p:blipFill>
         <p:spPr>
           <a:xfrm>
-            <a:off x="3572076" y="5683250"/>
-            <a:ext cx="3257550" cy="1038225"/>
+            <a:off x="3647958" y="4054475"/>
+            <a:ext cx="3019425" cy="2667000"/>
           </a:xfrm>
           <a:prstGeom prst="rect">
             <a:avLst/>
@@ -5874,13 +6060,13 @@
         </p:nvSpPr>
         <p:spPr>
           <a:xfrm>
-            <a:off x="648101" y="2136808"/>
-            <a:ext cx="11171722" cy="4584667"/>
+            <a:off x="648101" y="1967022"/>
+            <a:ext cx="11171722" cy="4890978"/>
           </a:xfrm>
         </p:spPr>
         <p:txBody>
           <a:bodyPr>
-            <a:normAutofit/>
+            <a:normAutofit lnSpcReduction="10000"/>
           </a:bodyPr>
           <a:lstStyle/>
           <a:p>
@@ -5889,9 +6075,15 @@
               <a:rPr lang="fr-FR" sz="2800" b="1" dirty="0" smtClean="0">
                 <a:latin typeface="+mj-lt"/>
               </a:rPr>
-              <a:t>Génération aléatoire de phrases</a:t>
-            </a:r>
-            <a:endParaRPr lang="fr-FR" sz="2800" b="1" dirty="0">
+              <a:t>Choix de la </a:t>
+            </a:r>
+            <a:r>
+              <a:rPr lang="fr-FR" sz="2800" b="1" dirty="0" smtClean="0">
+                <a:latin typeface="+mj-lt"/>
+              </a:rPr>
+              <a:t>série et génération des phrases</a:t>
+            </a:r>
+            <a:endParaRPr lang="fr-FR" sz="2800" b="1" dirty="0" smtClean="0">
               <a:latin typeface="+mj-lt"/>
             </a:endParaRPr>
           </a:p>
@@ -5924,7 +6116,31 @@
               <a:buFont typeface="Arial" panose="020B0604020202020204" pitchFamily="34" charset="0"/>
               <a:buChar char="•"/>
             </a:pPr>
-            <a:endParaRPr lang="fr-FR" sz="1200" dirty="0">
+            <a:endParaRPr lang="fr-FR" sz="1200" dirty="0" smtClean="0">
+              <a:latin typeface="+mj-lt"/>
+            </a:endParaRPr>
+          </a:p>
+          <a:p>
+            <a:pPr algn="l"/>
+            <a:endParaRPr lang="fr-FR" sz="2800" dirty="0" smtClean="0">
+              <a:latin typeface="+mj-lt"/>
+            </a:endParaRPr>
+          </a:p>
+          <a:p>
+            <a:pPr algn="l"/>
+            <a:endParaRPr lang="fr-FR" sz="2800" dirty="0">
+              <a:latin typeface="+mj-lt"/>
+            </a:endParaRPr>
+          </a:p>
+          <a:p>
+            <a:pPr algn="l"/>
+            <a:endParaRPr lang="fr-FR" sz="2800" dirty="0" smtClean="0">
+              <a:latin typeface="+mj-lt"/>
+            </a:endParaRPr>
+          </a:p>
+          <a:p>
+            <a:pPr algn="l"/>
+            <a:endParaRPr lang="fr-FR" dirty="0" smtClean="0">
               <a:latin typeface="+mj-lt"/>
             </a:endParaRPr>
           </a:p>
@@ -5934,158 +6150,32 @@
               <a:buChar char="•"/>
             </a:pPr>
             <a:r>
-              <a:rPr lang="fr-FR" sz="2800" dirty="0" smtClean="0">
-                <a:latin typeface="+mj-lt"/>
-              </a:rPr>
-              <a:t>Fonction </a:t>
-            </a:r>
-            <a:r>
-              <a:rPr lang="fr-FR" sz="2800" dirty="0" err="1" smtClean="0">
-                <a:latin typeface="+mj-lt"/>
-              </a:rPr>
-              <a:t>Math.random</a:t>
-            </a:r>
-            <a:r>
-              <a:rPr lang="fr-FR" sz="2800" dirty="0" smtClean="0">
-                <a:latin typeface="+mj-lt"/>
-              </a:rPr>
-              <a:t> : génère un chiffre entre 0 et 1			</a:t>
-            </a:r>
-            <a:r>
-              <a:rPr lang="fr-FR" sz="2000" dirty="0" smtClean="0">
-                <a:solidFill>
-                  <a:schemeClr val="accent5"/>
-                </a:solidFill>
-                <a:latin typeface="+mj-lt"/>
-              </a:rPr>
-              <a:t>0,567</a:t>
-            </a:r>
-          </a:p>
-          <a:p>
-            <a:pPr marL="457200" indent="-457200" algn="l">
-              <a:buFont typeface="Arial" panose="020B0604020202020204" pitchFamily="34" charset="0"/>
-              <a:buChar char="•"/>
-            </a:pPr>
-            <a:r>
-              <a:rPr lang="fr-FR" sz="2800" dirty="0" smtClean="0">
-                <a:latin typeface="+mj-lt"/>
-              </a:rPr>
-              <a:t>Multiplié par le nombre de phrases du tableau : .</a:t>
-            </a:r>
-            <a:r>
-              <a:rPr lang="fr-FR" sz="2800" dirty="0" err="1" smtClean="0">
-                <a:latin typeface="+mj-lt"/>
-              </a:rPr>
-              <a:t>length</a:t>
-            </a:r>
-            <a:r>
-              <a:rPr lang="fr-FR" sz="2800" dirty="0" smtClean="0">
-                <a:latin typeface="+mj-lt"/>
-              </a:rPr>
-              <a:t>	</a:t>
-            </a:r>
-            <a:r>
-              <a:rPr lang="fr-FR" sz="2000" dirty="0" smtClean="0">
-                <a:solidFill>
-                  <a:schemeClr val="accent5"/>
-                </a:solidFill>
-                <a:latin typeface="+mj-lt"/>
-              </a:rPr>
-              <a:t>x10 </a:t>
-            </a:r>
-            <a:r>
-              <a:rPr lang="fr-FR" sz="2000" dirty="0">
-                <a:solidFill>
-                  <a:schemeClr val="accent5"/>
-                </a:solidFill>
-                <a:latin typeface="+mj-lt"/>
-              </a:rPr>
-              <a:t>=	5,67</a:t>
-            </a:r>
-          </a:p>
-          <a:p>
-            <a:pPr marL="457200" indent="-457200" algn="l">
-              <a:buFont typeface="Arial" panose="020B0604020202020204" pitchFamily="34" charset="0"/>
-              <a:buChar char="•"/>
-            </a:pPr>
-            <a:r>
-              <a:rPr lang="fr-FR" sz="2800" dirty="0" smtClean="0">
-                <a:latin typeface="+mj-lt"/>
-              </a:rPr>
-              <a:t>Fonction </a:t>
-            </a:r>
-            <a:r>
-              <a:rPr lang="fr-FR" sz="2800" dirty="0" err="1" smtClean="0">
-                <a:latin typeface="+mj-lt"/>
-              </a:rPr>
-              <a:t>Math.floor</a:t>
-            </a:r>
-            <a:r>
-              <a:rPr lang="fr-FR" sz="2800" dirty="0" smtClean="0">
-                <a:latin typeface="+mj-lt"/>
-              </a:rPr>
-              <a:t> pour récupérer le nombre entier inférieur	</a:t>
-            </a:r>
-            <a:r>
-              <a:rPr lang="fr-FR" sz="2000" dirty="0" smtClean="0">
-                <a:solidFill>
-                  <a:schemeClr val="accent5"/>
-                </a:solidFill>
-                <a:latin typeface="+mj-lt"/>
-              </a:rPr>
-              <a:t>5</a:t>
-            </a:r>
-          </a:p>
-          <a:p>
-            <a:pPr marL="1828800" lvl="3" indent="-457200" algn="l">
-              <a:buFont typeface="Arial" panose="020B0604020202020204" pitchFamily="34" charset="0"/>
-              <a:buChar char="•"/>
-            </a:pPr>
-            <a:endParaRPr lang="fr-FR" sz="1200" dirty="0">
-              <a:solidFill>
-                <a:schemeClr val="accent5"/>
-              </a:solidFill>
+              <a:rPr lang="fr-FR" dirty="0" smtClean="0">
+                <a:latin typeface="+mj-lt"/>
+              </a:rPr>
+              <a:t>Décide de la citation à générer en fonction du choix de série (bouton </a:t>
+            </a:r>
+            <a:r>
+              <a:rPr lang="fr-FR" dirty="0" smtClean="0">
+                <a:latin typeface="+mj-lt"/>
+              </a:rPr>
+              <a:t>radio</a:t>
+            </a:r>
+            <a:r>
+              <a:rPr lang="fr-FR" dirty="0" smtClean="0">
+                <a:latin typeface="+mj-lt"/>
+              </a:rPr>
+              <a:t>) de </a:t>
+            </a:r>
+            <a:r>
+              <a:rPr lang="fr-FR" dirty="0" smtClean="0">
+                <a:latin typeface="+mj-lt"/>
+              </a:rPr>
+              <a:t>l’utilisateur</a:t>
+            </a:r>
+            <a:endParaRPr lang="fr-FR" dirty="0" smtClean="0">
               <a:latin typeface="+mj-lt"/>
             </a:endParaRPr>
-          </a:p>
-          <a:p>
-            <a:pPr lvl="3" algn="l"/>
-            <a:r>
-              <a:rPr lang="fr-FR" sz="1200" dirty="0" smtClean="0">
-                <a:solidFill>
-                  <a:schemeClr val="accent5"/>
-                </a:solidFill>
-                <a:latin typeface="+mj-lt"/>
-              </a:rPr>
-              <a:t>								</a:t>
-            </a:r>
-            <a:r>
-              <a:rPr lang="fr-FR" sz="1400" dirty="0" smtClean="0">
-                <a:solidFill>
-                  <a:schemeClr val="accent5"/>
-                </a:solidFill>
-                <a:latin typeface="+mj-lt"/>
-              </a:rPr>
-              <a:t>Récupère le 5</a:t>
-            </a:r>
-            <a:r>
-              <a:rPr lang="fr-FR" sz="1400" baseline="30000" dirty="0" smtClean="0">
-                <a:solidFill>
-                  <a:schemeClr val="accent5"/>
-                </a:solidFill>
-                <a:latin typeface="+mj-lt"/>
-              </a:rPr>
-              <a:t>ème</a:t>
-            </a:r>
-            <a:r>
-              <a:rPr lang="fr-FR" sz="1400" dirty="0" smtClean="0">
-                <a:solidFill>
-                  <a:schemeClr val="accent5"/>
-                </a:solidFill>
-                <a:latin typeface="+mj-lt"/>
-              </a:rPr>
-              <a:t> argument du tableau</a:t>
-            </a:r>
           </a:p>
         </p:txBody>
       </p:sp>
@@ -6114,7 +6204,7 @@
       </p:sp>
       <p:pic>
         <p:nvPicPr>
-          <p:cNvPr id="4" name="Picture 3"/>
+          <p:cNvPr id="8" name="Picture 7"/>
           <p:cNvPicPr>
             <a:picLocks noChangeAspect="1"/>
           </p:cNvPicPr>
@@ -6128,8 +6218,8 @@
         </p:blipFill>
         <p:spPr>
           <a:xfrm>
-            <a:off x="1963599" y="3020026"/>
-            <a:ext cx="8258175" cy="933450"/>
+            <a:off x="1520687" y="2437662"/>
+            <a:ext cx="9144000" cy="3448050"/>
           </a:xfrm>
           <a:prstGeom prst="rect">
             <a:avLst/>
@@ -6139,7 +6229,7 @@
     </p:spTree>
     <p:extLst>
       <p:ext uri="{BB962C8B-B14F-4D97-AF65-F5344CB8AC3E}">
-        <p14:creationId xmlns:p14="http://schemas.microsoft.com/office/powerpoint/2010/main" val="3546367080"/>
+        <p14:creationId xmlns:p14="http://schemas.microsoft.com/office/powerpoint/2010/main" val="3647055575"/>
       </p:ext>
     </p:extLst>
   </p:cSld>
@@ -6267,7 +6357,7 @@
               <a:rPr lang="fr-FR" sz="2800" b="1" dirty="0" smtClean="0">
                 <a:latin typeface="+mj-lt"/>
               </a:rPr>
-              <a:t>Concaténation</a:t>
+              <a:t>Génération aléatoire de phrases</a:t>
             </a:r>
             <a:endParaRPr lang="fr-FR" sz="2800" b="1" dirty="0">
               <a:latin typeface="+mj-lt"/>
@@ -6315,15 +6405,156 @@
               <a:rPr lang="fr-FR" sz="2800" dirty="0" smtClean="0">
                 <a:latin typeface="+mj-lt"/>
               </a:rPr>
-              <a:t>Récupère les 3 bouts de phrases aléatoires pour les assembler</a:t>
-            </a:r>
-            <a:endParaRPr lang="fr-FR" sz="1400" dirty="0" smtClean="0">
+              <a:t>Fonction </a:t>
+            </a:r>
+            <a:r>
+              <a:rPr lang="fr-FR" sz="2800" dirty="0" err="1" smtClean="0">
+                <a:latin typeface="+mj-lt"/>
+              </a:rPr>
+              <a:t>Math.random</a:t>
+            </a:r>
+            <a:r>
+              <a:rPr lang="fr-FR" sz="2800" dirty="0" smtClean="0">
+                <a:latin typeface="+mj-lt"/>
+              </a:rPr>
+              <a:t> : génère un chiffre entre 0 et 1			</a:t>
+            </a:r>
+            <a:r>
+              <a:rPr lang="fr-FR" sz="2000" dirty="0" smtClean="0">
+                <a:solidFill>
+                  <a:schemeClr val="accent5"/>
+                </a:solidFill>
+                <a:latin typeface="+mj-lt"/>
+              </a:rPr>
+              <a:t>0,567</a:t>
+            </a:r>
+          </a:p>
+          <a:p>
+            <a:pPr marL="457200" indent="-457200" algn="l">
+              <a:buFont typeface="Arial" panose="020B0604020202020204" pitchFamily="34" charset="0"/>
+              <a:buChar char="•"/>
+            </a:pPr>
+            <a:r>
+              <a:rPr lang="fr-FR" sz="2800" dirty="0" smtClean="0">
+                <a:latin typeface="+mj-lt"/>
+              </a:rPr>
+              <a:t>Multiplié par le nombre de phrases du tableau : .</a:t>
+            </a:r>
+            <a:r>
+              <a:rPr lang="fr-FR" sz="2800" dirty="0" err="1" smtClean="0">
+                <a:latin typeface="+mj-lt"/>
+              </a:rPr>
+              <a:t>length</a:t>
+            </a:r>
+            <a:r>
+              <a:rPr lang="fr-FR" sz="2800" dirty="0" smtClean="0">
+                <a:latin typeface="+mj-lt"/>
+              </a:rPr>
+              <a:t>	</a:t>
+            </a:r>
+            <a:r>
+              <a:rPr lang="fr-FR" sz="2000" dirty="0" smtClean="0">
+                <a:solidFill>
+                  <a:schemeClr val="accent5"/>
+                </a:solidFill>
+                <a:latin typeface="+mj-lt"/>
+              </a:rPr>
+              <a:t>x10 </a:t>
+            </a:r>
+            <a:r>
+              <a:rPr lang="fr-FR" sz="2000" dirty="0">
+                <a:solidFill>
+                  <a:schemeClr val="accent5"/>
+                </a:solidFill>
+                <a:latin typeface="+mj-lt"/>
+              </a:rPr>
+              <a:t>=	5,67</a:t>
+            </a:r>
+          </a:p>
+          <a:p>
+            <a:pPr marL="457200" indent="-457200" algn="l">
+              <a:buFont typeface="Arial" panose="020B0604020202020204" pitchFamily="34" charset="0"/>
+              <a:buChar char="•"/>
+            </a:pPr>
+            <a:r>
+              <a:rPr lang="fr-FR" sz="2800" dirty="0" smtClean="0">
+                <a:latin typeface="+mj-lt"/>
+              </a:rPr>
+              <a:t>Fonction </a:t>
+            </a:r>
+            <a:r>
+              <a:rPr lang="fr-FR" sz="2800" dirty="0" err="1" smtClean="0">
+                <a:latin typeface="+mj-lt"/>
+              </a:rPr>
+              <a:t>Math.floor</a:t>
+            </a:r>
+            <a:r>
+              <a:rPr lang="fr-FR" sz="2800" dirty="0" smtClean="0">
+                <a:latin typeface="+mj-lt"/>
+              </a:rPr>
+              <a:t> pour récupérer le nombre entier inférieur	</a:t>
+            </a:r>
+            <a:r>
+              <a:rPr lang="fr-FR" sz="2000" dirty="0" smtClean="0">
+                <a:solidFill>
+                  <a:schemeClr val="accent5"/>
+                </a:solidFill>
+                <a:latin typeface="+mj-lt"/>
+              </a:rPr>
+              <a:t>5</a:t>
+            </a:r>
+          </a:p>
+          <a:p>
+            <a:pPr marL="1828800" lvl="3" indent="-457200" algn="l">
+              <a:buFont typeface="Arial" panose="020B0604020202020204" pitchFamily="34" charset="0"/>
+              <a:buChar char="•"/>
+            </a:pPr>
+            <a:endParaRPr lang="fr-FR" sz="1200" dirty="0">
               <a:solidFill>
                 <a:schemeClr val="accent5"/>
               </a:solidFill>
               <a:latin typeface="+mj-lt"/>
             </a:endParaRPr>
           </a:p>
+          <a:p>
+            <a:pPr lvl="3" algn="l"/>
+            <a:r>
+              <a:rPr lang="fr-FR" sz="1200" dirty="0" smtClean="0">
+                <a:solidFill>
+                  <a:schemeClr val="accent5"/>
+                </a:solidFill>
+                <a:latin typeface="+mj-lt"/>
+              </a:rPr>
+              <a:t>								</a:t>
+            </a:r>
+            <a:r>
+              <a:rPr lang="fr-FR" sz="1400" dirty="0" smtClean="0">
+                <a:solidFill>
+                  <a:schemeClr val="accent5"/>
+                </a:solidFill>
+                <a:latin typeface="+mj-lt"/>
+              </a:rPr>
+              <a:t>Récupère le 5</a:t>
+            </a:r>
+            <a:r>
+              <a:rPr lang="fr-FR" sz="1400" baseline="30000" dirty="0" smtClean="0">
+                <a:solidFill>
+                  <a:schemeClr val="accent5"/>
+                </a:solidFill>
+                <a:latin typeface="+mj-lt"/>
+              </a:rPr>
+              <a:t>ème</a:t>
+            </a:r>
+            <a:r>
+              <a:rPr lang="fr-FR" sz="1400" dirty="0" smtClean="0">
+                <a:solidFill>
+                  <a:schemeClr val="accent5"/>
+                </a:solidFill>
+                <a:latin typeface="+mj-lt"/>
+              </a:rPr>
+              <a:t> argument du tableau</a:t>
+            </a:r>
+          </a:p>
         </p:txBody>
       </p:sp>
       <p:sp>
@@ -6351,22 +6582,21 @@
       </p:sp>
       <p:pic>
         <p:nvPicPr>
-          <p:cNvPr id="5" name="Picture 4"/>
+          <p:cNvPr id="4" name="Picture 3"/>
           <p:cNvPicPr>
             <a:picLocks noChangeAspect="1"/>
           </p:cNvPicPr>
           <p:nvPr/>
         </p:nvPicPr>
-        <p:blipFill>
+        <p:blipFill rotWithShape="1">
           <a:blip r:embed="rId3"/>
-          <a:stretch>
-            <a:fillRect/>
-          </a:stretch>
+          <a:srcRect l="25613"/>
+          <a:stretch/>
         </p:blipFill>
         <p:spPr>
           <a:xfrm>
-            <a:off x="3333750" y="2967037"/>
-            <a:ext cx="5524500" cy="923925"/>
+            <a:off x="2596607" y="2945598"/>
+            <a:ext cx="7274710" cy="1105407"/>
           </a:xfrm>
           <a:prstGeom prst="rect">
             <a:avLst/>
@@ -6376,7 +6606,7 @@
     </p:spTree>
     <p:extLst>
       <p:ext uri="{BB962C8B-B14F-4D97-AF65-F5344CB8AC3E}">
-        <p14:creationId xmlns:p14="http://schemas.microsoft.com/office/powerpoint/2010/main" val="2498872000"/>
+        <p14:creationId xmlns:p14="http://schemas.microsoft.com/office/powerpoint/2010/main" val="3546367080"/>
       </p:ext>
     </p:extLst>
   </p:cSld>

--- a/Présentation Générateur de citations.pptx
+++ b/Présentation Générateur de citations.pptx
@@ -5,7 +5,7 @@
     <p:sldMasterId id="2147483648" r:id="rId1"/>
   </p:sldMasterIdLst>
   <p:notesMasterIdLst>
-    <p:notesMasterId r:id="rId13"/>
+    <p:notesMasterId r:id="rId14"/>
   </p:notesMasterIdLst>
   <p:sldIdLst>
     <p:sldId id="278" r:id="rId2"/>
@@ -19,6 +19,7 @@
     <p:sldId id="311" r:id="rId10"/>
     <p:sldId id="314" r:id="rId11"/>
     <p:sldId id="315" r:id="rId12"/>
+    <p:sldId id="316" r:id="rId13"/>
   </p:sldIdLst>
   <p:sldSz cx="12192000" cy="6858000"/>
   <p:notesSz cx="6858000" cy="9144000"/>
@@ -207,7 +208,7 @@
           <a:p>
             <a:fld id="{B96593A0-10E1-45D8-B447-E2C6C9553211}" type="datetimeFigureOut">
               <a:rPr lang="fr-FR" smtClean="0"/>
-              <a:t>18/09/2019</a:t>
+              <a:t>15/10/2019</a:t>
             </a:fld>
             <a:endParaRPr lang="fr-FR"/>
           </a:p>
@@ -606,7 +607,7 @@
           <a:p>
             <a:fld id="{C2877114-3D43-4EEC-8F3A-66D36BB90326}" type="datetime1">
               <a:rPr lang="fr-FR" smtClean="0"/>
-              <a:t>18/09/2019</a:t>
+              <a:t>15/10/2019</a:t>
             </a:fld>
             <a:endParaRPr lang="fr-FR"/>
           </a:p>
@@ -776,7 +777,7 @@
           <a:p>
             <a:fld id="{A3E75D5E-B12C-4BC5-98AD-85D9DAB994E4}" type="datetime1">
               <a:rPr lang="fr-FR" smtClean="0"/>
-              <a:t>18/09/2019</a:t>
+              <a:t>15/10/2019</a:t>
             </a:fld>
             <a:endParaRPr lang="fr-FR"/>
           </a:p>
@@ -956,7 +957,7 @@
           <a:p>
             <a:fld id="{E6890DF2-2842-4B41-A8BF-CF05DAEDE902}" type="datetime1">
               <a:rPr lang="fr-FR" smtClean="0"/>
-              <a:t>18/09/2019</a:t>
+              <a:t>15/10/2019</a:t>
             </a:fld>
             <a:endParaRPr lang="fr-FR"/>
           </a:p>
@@ -1126,7 +1127,7 @@
           <a:p>
             <a:fld id="{372FC9D2-824F-454A-B580-F96D91C076C5}" type="datetime1">
               <a:rPr lang="fr-FR" smtClean="0"/>
-              <a:t>18/09/2019</a:t>
+              <a:t>15/10/2019</a:t>
             </a:fld>
             <a:endParaRPr lang="fr-FR"/>
           </a:p>
@@ -1372,7 +1373,7 @@
           <a:p>
             <a:fld id="{AF229596-061C-4882-ACA4-8C6050124908}" type="datetime1">
               <a:rPr lang="fr-FR" smtClean="0"/>
-              <a:t>18/09/2019</a:t>
+              <a:t>15/10/2019</a:t>
             </a:fld>
             <a:endParaRPr lang="fr-FR"/>
           </a:p>
@@ -1604,7 +1605,7 @@
           <a:p>
             <a:fld id="{79440041-AD91-4CB7-B746-1AAC2CD33AA9}" type="datetime1">
               <a:rPr lang="fr-FR" smtClean="0"/>
-              <a:t>18/09/2019</a:t>
+              <a:t>15/10/2019</a:t>
             </a:fld>
             <a:endParaRPr lang="fr-FR"/>
           </a:p>
@@ -1971,7 +1972,7 @@
           <a:p>
             <a:fld id="{A16B379F-691C-4295-8499-8D3A72045B6E}" type="datetime1">
               <a:rPr lang="fr-FR" smtClean="0"/>
-              <a:t>18/09/2019</a:t>
+              <a:t>15/10/2019</a:t>
             </a:fld>
             <a:endParaRPr lang="fr-FR"/>
           </a:p>
@@ -2089,7 +2090,7 @@
           <a:p>
             <a:fld id="{F390FD0A-8DAA-4227-B979-AB62C33BD7D8}" type="datetime1">
               <a:rPr lang="fr-FR" smtClean="0"/>
-              <a:t>18/09/2019</a:t>
+              <a:t>15/10/2019</a:t>
             </a:fld>
             <a:endParaRPr lang="fr-FR"/>
           </a:p>
@@ -2184,7 +2185,7 @@
           <a:p>
             <a:fld id="{86D633DA-F033-478A-B3AA-1AF08C671675}" type="datetime1">
               <a:rPr lang="fr-FR" smtClean="0"/>
-              <a:t>18/09/2019</a:t>
+              <a:t>15/10/2019</a:t>
             </a:fld>
             <a:endParaRPr lang="fr-FR"/>
           </a:p>
@@ -2461,7 +2462,7 @@
           <a:p>
             <a:fld id="{55795FA5-0B9B-4E83-9BDC-3DD7E1B1FC62}" type="datetime1">
               <a:rPr lang="fr-FR" smtClean="0"/>
-              <a:t>18/09/2019</a:t>
+              <a:t>15/10/2019</a:t>
             </a:fld>
             <a:endParaRPr lang="fr-FR"/>
           </a:p>
@@ -2714,7 +2715,7 @@
           <a:p>
             <a:fld id="{6156AAA1-E81F-468E-97E9-6B2EF830AD46}" type="datetime1">
               <a:rPr lang="fr-FR" smtClean="0"/>
-              <a:t>18/09/2019</a:t>
+              <a:t>15/10/2019</a:t>
             </a:fld>
             <a:endParaRPr lang="fr-FR"/>
           </a:p>
@@ -2927,7 +2928,7 @@
           <a:p>
             <a:fld id="{4CF42A4D-0074-4A4F-8902-A0DD9B4A3741}" type="datetime1">
               <a:rPr lang="fr-FR" smtClean="0"/>
-              <a:t>18/09/2019</a:t>
+              <a:t>15/10/2019</a:t>
             </a:fld>
             <a:endParaRPr lang="fr-FR"/>
           </a:p>
@@ -3678,31 +3679,7 @@
               <a:rPr lang="fr-FR" dirty="0" smtClean="0">
                 <a:latin typeface="+mj-lt"/>
               </a:rPr>
-              <a:t>Récupère le nombre de citations à générer </a:t>
-            </a:r>
-            <a:r>
-              <a:rPr lang="fr-FR" dirty="0" smtClean="0">
-                <a:latin typeface="+mj-lt"/>
-              </a:rPr>
-              <a:t>et la série en </a:t>
-            </a:r>
-            <a:r>
-              <a:rPr lang="fr-FR" dirty="0" smtClean="0">
-                <a:latin typeface="+mj-lt"/>
-              </a:rPr>
-              <a:t>fonction du choix </a:t>
-            </a:r>
-            <a:r>
-              <a:rPr lang="fr-FR" dirty="0" smtClean="0">
-                <a:latin typeface="+mj-lt"/>
-              </a:rPr>
-              <a:t>de </a:t>
-            </a:r>
-            <a:r>
-              <a:rPr lang="fr-FR" dirty="0" smtClean="0">
-                <a:latin typeface="+mj-lt"/>
-              </a:rPr>
-              <a:t>l’utilisateur</a:t>
+              <a:t>Récupère le nombre de citations à générer et la série en fonction du choix de l’utilisateur</a:t>
             </a:r>
           </a:p>
           <a:p>
@@ -4263,13 +4240,7 @@
               <a:rPr lang="fr-FR" dirty="0">
                 <a:latin typeface="+mj-lt"/>
               </a:rPr>
-              <a:t> : autant de fois que le nb de </a:t>
-            </a:r>
-            <a:r>
-              <a:rPr lang="fr-FR" dirty="0">
-                <a:latin typeface="+mj-lt"/>
-              </a:rPr>
-              <a:t>citations</a:t>
+              <a:t> : autant de fois que le nb de citations</a:t>
             </a:r>
           </a:p>
           <a:p>
@@ -4428,6 +4399,412 @@
     <p:extLst>
       <p:ext uri="{BB962C8B-B14F-4D97-AF65-F5344CB8AC3E}">
         <p14:creationId xmlns:p14="http://schemas.microsoft.com/office/powerpoint/2010/main" val="1723746310"/>
+      </p:ext>
+    </p:extLst>
+  </p:cSld>
+  <p:clrMapOvr>
+    <a:masterClrMapping/>
+  </p:clrMapOvr>
+  <p:timing>
+    <p:tnLst>
+      <p:par>
+        <p:cTn id="1" dur="indefinite" restart="never" nodeType="tmRoot"/>
+      </p:par>
+    </p:tnLst>
+  </p:timing>
+</p:sld>
+</file>
+
+<file path=ppt/slides/slide12.xml><?xml version="1.0" encoding="utf-8"?>
+<p:sld xmlns:a="http://schemas.openxmlformats.org/drawingml/2006/main" xmlns:r="http://schemas.openxmlformats.org/officeDocument/2006/relationships" xmlns:p="http://schemas.openxmlformats.org/presentationml/2006/main">
+  <p:cSld>
+    <p:spTree>
+      <p:nvGrpSpPr>
+        <p:cNvPr id="1" name=""/>
+        <p:cNvGrpSpPr/>
+        <p:nvPr/>
+      </p:nvGrpSpPr>
+      <p:grpSpPr>
+        <a:xfrm>
+          <a:off x="0" y="0"/>
+          <a:ext cx="0" cy="0"/>
+          <a:chOff x="0" y="0"/>
+          <a:chExt cx="0" cy="0"/>
+        </a:xfrm>
+      </p:grpSpPr>
+      <p:pic>
+        <p:nvPicPr>
+          <p:cNvPr id="7" name="Picture 6"/>
+          <p:cNvPicPr>
+            <a:picLocks noChangeAspect="1"/>
+          </p:cNvPicPr>
+          <p:nvPr/>
+        </p:nvPicPr>
+        <p:blipFill rotWithShape="1">
+          <a:blip r:embed="rId2">
+            <a:extLst>
+              <a:ext uri="{28A0092B-C50C-407E-A947-70E740481C1C}">
+                <a14:useLocalDpi xmlns:a14="http://schemas.microsoft.com/office/drawing/2010/main" val="0"/>
+              </a:ext>
+            </a:extLst>
+          </a:blip>
+          <a:srcRect t="31948" r="32181" b="58231"/>
+          <a:stretch/>
+        </p:blipFill>
+        <p:spPr>
+          <a:xfrm>
+            <a:off x="0" y="550117"/>
+            <a:ext cx="12185375" cy="1169354"/>
+          </a:xfrm>
+          <a:prstGeom prst="rect">
+            <a:avLst/>
+          </a:prstGeom>
+        </p:spPr>
+      </p:pic>
+      <p:sp>
+        <p:nvSpPr>
+          <p:cNvPr id="2" name="Title 1"/>
+          <p:cNvSpPr>
+            <a:spLocks noGrp="1"/>
+          </p:cNvSpPr>
+          <p:nvPr>
+            <p:ph type="ctrTitle"/>
+          </p:nvPr>
+        </p:nvSpPr>
+        <p:spPr>
+          <a:xfrm>
+            <a:off x="648101" y="650444"/>
+            <a:ext cx="4058653" cy="968700"/>
+          </a:xfrm>
+        </p:spPr>
+        <p:txBody>
+          <a:bodyPr/>
+          <a:lstStyle/>
+          <a:p>
+            <a:r>
+              <a:rPr lang="fr-FR" dirty="0" smtClean="0">
+                <a:solidFill>
+                  <a:schemeClr val="bg1"/>
+                </a:solidFill>
+                <a:latin typeface="+mn-lt"/>
+              </a:rPr>
+              <a:t>JavaScript</a:t>
+            </a:r>
+            <a:endParaRPr lang="fr-FR" dirty="0">
+              <a:solidFill>
+                <a:schemeClr val="bg1"/>
+              </a:solidFill>
+              <a:latin typeface="+mn-lt"/>
+            </a:endParaRPr>
+          </a:p>
+        </p:txBody>
+      </p:sp>
+      <p:sp>
+        <p:nvSpPr>
+          <p:cNvPr id="3" name="Subtitle 2"/>
+          <p:cNvSpPr>
+            <a:spLocks noGrp="1"/>
+          </p:cNvSpPr>
+          <p:nvPr>
+            <p:ph type="subTitle" idx="1"/>
+          </p:nvPr>
+        </p:nvSpPr>
+        <p:spPr>
+          <a:xfrm>
+            <a:off x="176437" y="2271684"/>
+            <a:ext cx="4036126" cy="2061116"/>
+          </a:xfrm>
+        </p:spPr>
+        <p:txBody>
+          <a:bodyPr>
+            <a:normAutofit/>
+          </a:bodyPr>
+          <a:lstStyle/>
+          <a:p>
+            <a:pPr algn="l"/>
+            <a:r>
+              <a:rPr lang="fr-FR" sz="2800" b="1" dirty="0" smtClean="0">
+                <a:latin typeface="+mj-lt"/>
+              </a:rPr>
+              <a:t>Alternative</a:t>
+            </a:r>
+            <a:endParaRPr lang="fr-FR" sz="2800" b="1" dirty="0">
+              <a:latin typeface="+mj-lt"/>
+            </a:endParaRPr>
+          </a:p>
+          <a:p>
+            <a:pPr marL="457200" indent="-457200" algn="l">
+              <a:buFont typeface="Arial" panose="020B0604020202020204" pitchFamily="34" charset="0"/>
+              <a:buChar char="•"/>
+            </a:pPr>
+            <a:r>
+              <a:rPr lang="fr-FR" dirty="0" smtClean="0">
+                <a:latin typeface="+mj-lt"/>
+              </a:rPr>
+              <a:t>Sans le JS dans le HTML</a:t>
+            </a:r>
+          </a:p>
+          <a:p>
+            <a:pPr marL="457200" indent="-457200" algn="l">
+              <a:buFont typeface="Arial" panose="020B0604020202020204" pitchFamily="34" charset="0"/>
+              <a:buChar char="•"/>
+            </a:pPr>
+            <a:r>
+              <a:rPr lang="fr-FR" dirty="0" smtClean="0">
+                <a:latin typeface="+mj-lt"/>
+              </a:rPr>
+              <a:t>Ajouter un </a:t>
+            </a:r>
+            <a:r>
+              <a:rPr lang="fr-FR" i="1" dirty="0" smtClean="0">
+                <a:latin typeface="+mj-lt"/>
+              </a:rPr>
+              <a:t>id</a:t>
+            </a:r>
+            <a:r>
+              <a:rPr lang="fr-FR" dirty="0" smtClean="0">
+                <a:latin typeface="+mj-lt"/>
+              </a:rPr>
+              <a:t> dans le HTML</a:t>
+            </a:r>
+            <a:endParaRPr lang="fr-FR" dirty="0" smtClean="0">
+              <a:latin typeface="+mj-lt"/>
+            </a:endParaRPr>
+          </a:p>
+          <a:p>
+            <a:pPr marL="457200" indent="-457200" algn="l">
+              <a:buFont typeface="Arial" panose="020B0604020202020204" pitchFamily="34" charset="0"/>
+              <a:buChar char="•"/>
+            </a:pPr>
+            <a:r>
+              <a:rPr lang="fr-FR" dirty="0" smtClean="0">
+                <a:latin typeface="+mj-lt"/>
+              </a:rPr>
+              <a:t>Utiliser </a:t>
+            </a:r>
+            <a:r>
+              <a:rPr lang="fr-FR" dirty="0" err="1" smtClean="0">
+                <a:latin typeface="+mj-lt"/>
+              </a:rPr>
+              <a:t>addEventListener</a:t>
+            </a:r>
+            <a:endParaRPr lang="fr-FR" dirty="0" smtClean="0">
+              <a:latin typeface="+mj-lt"/>
+            </a:endParaRPr>
+          </a:p>
+          <a:p>
+            <a:pPr marL="457200" indent="-457200" algn="l">
+              <a:buFont typeface="Arial" panose="020B0604020202020204" pitchFamily="34" charset="0"/>
+              <a:buChar char="•"/>
+            </a:pPr>
+            <a:endParaRPr lang="fr-FR" sz="2800" dirty="0" smtClean="0">
+              <a:latin typeface="+mj-lt"/>
+            </a:endParaRPr>
+          </a:p>
+          <a:p>
+            <a:pPr marL="457200" indent="-457200" algn="l">
+              <a:buFont typeface="Arial" panose="020B0604020202020204" pitchFamily="34" charset="0"/>
+              <a:buChar char="•"/>
+            </a:pPr>
+            <a:endParaRPr lang="fr-FR" sz="2800" dirty="0" smtClean="0">
+              <a:latin typeface="+mj-lt"/>
+            </a:endParaRPr>
+          </a:p>
+          <a:p>
+            <a:pPr marL="457200" indent="-457200" algn="l">
+              <a:buFont typeface="Arial" panose="020B0604020202020204" pitchFamily="34" charset="0"/>
+              <a:buChar char="•"/>
+            </a:pPr>
+            <a:endParaRPr lang="fr-FR" sz="1200" dirty="0" smtClean="0">
+              <a:latin typeface="+mj-lt"/>
+            </a:endParaRPr>
+          </a:p>
+          <a:p>
+            <a:pPr marL="457200" indent="-457200" algn="l">
+              <a:buFont typeface="Arial" panose="020B0604020202020204" pitchFamily="34" charset="0"/>
+              <a:buChar char="•"/>
+            </a:pPr>
+            <a:endParaRPr lang="fr-FR" sz="1200" dirty="0">
+              <a:latin typeface="+mj-lt"/>
+            </a:endParaRPr>
+          </a:p>
+          <a:p>
+            <a:pPr algn="l"/>
+            <a:endParaRPr lang="fr-FR" sz="2800" dirty="0" smtClean="0">
+              <a:latin typeface="+mj-lt"/>
+            </a:endParaRPr>
+          </a:p>
+        </p:txBody>
+      </p:sp>
+      <p:sp>
+        <p:nvSpPr>
+          <p:cNvPr id="6" name="Slide Number Placeholder 5"/>
+          <p:cNvSpPr>
+            <a:spLocks noGrp="1"/>
+          </p:cNvSpPr>
+          <p:nvPr>
+            <p:ph type="sldNum" sz="quarter" idx="12"/>
+          </p:nvPr>
+        </p:nvSpPr>
+        <p:spPr/>
+        <p:txBody>
+          <a:bodyPr/>
+          <a:lstStyle/>
+          <a:p>
+            <a:fld id="{D2FB707D-18BD-4399-92D3-F66879E860F7}" type="slidenum">
+              <a:rPr lang="fr-FR" smtClean="0"/>
+              <a:t>12</a:t>
+            </a:fld>
+            <a:endParaRPr lang="fr-FR"/>
+          </a:p>
+        </p:txBody>
+      </p:sp>
+      <p:pic>
+        <p:nvPicPr>
+          <p:cNvPr id="5" name="Picture 4"/>
+          <p:cNvPicPr>
+            <a:picLocks noChangeAspect="1"/>
+          </p:cNvPicPr>
+          <p:nvPr/>
+        </p:nvPicPr>
+        <p:blipFill>
+          <a:blip r:embed="rId3"/>
+          <a:stretch>
+            <a:fillRect/>
+          </a:stretch>
+        </p:blipFill>
+        <p:spPr>
+          <a:xfrm>
+            <a:off x="4355101" y="3221724"/>
+            <a:ext cx="7441252" cy="3243005"/>
+          </a:xfrm>
+          <a:prstGeom prst="rect">
+            <a:avLst/>
+          </a:prstGeom>
+        </p:spPr>
+      </p:pic>
+      <p:pic>
+        <p:nvPicPr>
+          <p:cNvPr id="9" name="Picture 8"/>
+          <p:cNvPicPr>
+            <a:picLocks noChangeAspect="1"/>
+          </p:cNvPicPr>
+          <p:nvPr/>
+        </p:nvPicPr>
+        <p:blipFill>
+          <a:blip r:embed="rId4"/>
+          <a:stretch>
+            <a:fillRect/>
+          </a:stretch>
+        </p:blipFill>
+        <p:spPr>
+          <a:xfrm>
+            <a:off x="4518139" y="2623339"/>
+            <a:ext cx="7115175" cy="295275"/>
+          </a:xfrm>
+          <a:prstGeom prst="rect">
+            <a:avLst/>
+          </a:prstGeom>
+        </p:spPr>
+      </p:pic>
+      <p:pic>
+        <p:nvPicPr>
+          <p:cNvPr id="10" name="Picture 9"/>
+          <p:cNvPicPr>
+            <a:picLocks noChangeAspect="1"/>
+          </p:cNvPicPr>
+          <p:nvPr/>
+        </p:nvPicPr>
+        <p:blipFill>
+          <a:blip r:embed="rId5"/>
+          <a:stretch>
+            <a:fillRect/>
+          </a:stretch>
+        </p:blipFill>
+        <p:spPr>
+          <a:xfrm>
+            <a:off x="3738044" y="2019228"/>
+            <a:ext cx="8210550" cy="295275"/>
+          </a:xfrm>
+          <a:prstGeom prst="rect">
+            <a:avLst/>
+          </a:prstGeom>
+        </p:spPr>
+      </p:pic>
+      <p:cxnSp>
+        <p:nvCxnSpPr>
+          <p:cNvPr id="13" name="Straight Connector 12"/>
+          <p:cNvCxnSpPr/>
+          <p:nvPr/>
+        </p:nvCxnSpPr>
+        <p:spPr>
+          <a:xfrm flipV="1">
+            <a:off x="8003263" y="1958413"/>
+            <a:ext cx="1530036" cy="419769"/>
+          </a:xfrm>
+          <a:prstGeom prst="line">
+            <a:avLst/>
+          </a:prstGeom>
+          <a:ln w="19050">
+            <a:solidFill>
+              <a:srgbClr val="FF0000"/>
+            </a:solidFill>
+          </a:ln>
+        </p:spPr>
+        <p:style>
+          <a:lnRef idx="1">
+            <a:schemeClr val="accent1"/>
+          </a:lnRef>
+          <a:fillRef idx="0">
+            <a:schemeClr val="accent1"/>
+          </a:fillRef>
+          <a:effectRef idx="0">
+            <a:schemeClr val="accent1"/>
+          </a:effectRef>
+          <a:fontRef idx="minor">
+            <a:schemeClr val="tx1"/>
+          </a:fontRef>
+        </p:style>
+      </p:cxnSp>
+      <p:cxnSp>
+        <p:nvCxnSpPr>
+          <p:cNvPr id="14" name="Straight Connector 13"/>
+          <p:cNvCxnSpPr/>
+          <p:nvPr/>
+        </p:nvCxnSpPr>
+        <p:spPr>
+          <a:xfrm>
+            <a:off x="7843319" y="1898125"/>
+            <a:ext cx="1789568" cy="480057"/>
+          </a:xfrm>
+          <a:prstGeom prst="line">
+            <a:avLst/>
+          </a:prstGeom>
+          <a:ln w="19050">
+            <a:solidFill>
+              <a:srgbClr val="FF0000"/>
+            </a:solidFill>
+          </a:ln>
+        </p:spPr>
+        <p:style>
+          <a:lnRef idx="1">
+            <a:schemeClr val="accent1"/>
+          </a:lnRef>
+          <a:fillRef idx="0">
+            <a:schemeClr val="accent1"/>
+          </a:fillRef>
+          <a:effectRef idx="0">
+            <a:schemeClr val="accent1"/>
+          </a:effectRef>
+          <a:fontRef idx="minor">
+            <a:schemeClr val="tx1"/>
+          </a:fontRef>
+        </p:style>
+      </p:cxnSp>
+    </p:spTree>
+    <p:extLst>
+      <p:ext uri="{BB962C8B-B14F-4D97-AF65-F5344CB8AC3E}">
+        <p14:creationId xmlns:p14="http://schemas.microsoft.com/office/powerpoint/2010/main" val="2338682962"/>
       </p:ext>
     </p:extLst>
   </p:cSld>
@@ -5401,13 +5778,7 @@
               <a:rPr lang="fr-FR" sz="2800" dirty="0" smtClean="0">
                 <a:latin typeface="+mj-lt"/>
               </a:rPr>
-              <a:t> pour </a:t>
-            </a:r>
-            <a:r>
-              <a:rPr lang="fr-FR" sz="2800" dirty="0" smtClean="0">
-                <a:latin typeface="+mj-lt"/>
-              </a:rPr>
-              <a:t>afficher les citations</a:t>
+              <a:t> pour afficher les citations</a:t>
             </a:r>
           </a:p>
           <a:p>
@@ -5449,7 +5820,7 @@
       </p:sp>
       <p:pic>
         <p:nvPicPr>
-          <p:cNvPr id="5" name="Picture 4"/>
+          <p:cNvPr id="4" name="Picture 3"/>
           <p:cNvPicPr>
             <a:picLocks noChangeAspect="1"/>
           </p:cNvPicPr>
@@ -5463,8 +5834,8 @@
         </p:blipFill>
         <p:spPr>
           <a:xfrm>
-            <a:off x="1361070" y="2859826"/>
-            <a:ext cx="9351121" cy="1573951"/>
+            <a:off x="1759919" y="2600341"/>
+            <a:ext cx="8553450" cy="1828800"/>
           </a:xfrm>
           <a:prstGeom prst="rect">
             <a:avLst/>
@@ -5629,19 +6000,7 @@
               <a:rPr lang="fr-FR" sz="2800" dirty="0" smtClean="0">
                 <a:latin typeface="+mj-lt"/>
               </a:rPr>
-              <a:t>Ajouts sur le style des </a:t>
-            </a:r>
-            <a:r>
-              <a:rPr lang="fr-FR" sz="2800" dirty="0" smtClean="0">
-                <a:latin typeface="+mj-lt"/>
-              </a:rPr>
-              <a:t>textes et blocs </a:t>
-            </a:r>
-            <a:r>
-              <a:rPr lang="fr-FR" sz="2800" dirty="0" smtClean="0">
-                <a:latin typeface="+mj-lt"/>
-              </a:rPr>
-              <a:t>(polices, couleurs, marges)</a:t>
+              <a:t>Ajouts sur le style des textes et blocs (polices, couleurs, marges)</a:t>
             </a:r>
           </a:p>
         </p:txBody>
@@ -5865,10 +6224,22 @@
               <a:buChar char="•"/>
             </a:pPr>
             <a:r>
+              <a:rPr lang="fr-FR" sz="2800" dirty="0">
+                <a:latin typeface="+mj-lt"/>
+              </a:rPr>
+              <a:t>T</a:t>
+            </a:r>
+            <a:r>
               <a:rPr lang="fr-FR" sz="2800" dirty="0" smtClean="0">
                 <a:latin typeface="+mj-lt"/>
               </a:rPr>
-              <a:t>1 tableau pour déclarer les morceaux de phrases</a:t>
+              <a:t>ableau </a:t>
+            </a:r>
+            <a:r>
+              <a:rPr lang="fr-FR" sz="2800" dirty="0" smtClean="0">
+                <a:latin typeface="+mj-lt"/>
+              </a:rPr>
+              <a:t>pour déclarer les morceaux de phrases</a:t>
             </a:r>
           </a:p>
           <a:p>
@@ -5880,8 +6251,29 @@
               <a:rPr lang="fr-FR" sz="2800" dirty="0" smtClean="0">
                 <a:latin typeface="+mj-lt"/>
               </a:rPr>
-              <a:t>1 tableau = 1 variable</a:t>
-            </a:r>
+              <a:t>1 </a:t>
+            </a:r>
+            <a:r>
+              <a:rPr lang="fr-FR" sz="2800" dirty="0" smtClean="0">
+                <a:latin typeface="+mj-lt"/>
+              </a:rPr>
+              <a:t>variable = </a:t>
+            </a:r>
+            <a:r>
+              <a:rPr lang="fr-FR" sz="2800" dirty="0" smtClean="0">
+                <a:latin typeface="+mj-lt"/>
+              </a:rPr>
+              <a:t>1 </a:t>
+            </a:r>
+            <a:r>
+              <a:rPr lang="fr-FR" sz="2800" dirty="0" smtClean="0">
+                <a:latin typeface="+mj-lt"/>
+              </a:rPr>
+              <a:t>tableau</a:t>
+            </a:r>
+            <a:endParaRPr lang="fr-FR" sz="2800" dirty="0" smtClean="0">
+              <a:latin typeface="+mj-lt"/>
+            </a:endParaRPr>
           </a:p>
           <a:p>
             <a:pPr marL="457200" indent="-457200" algn="l">
@@ -6075,17 +6467,8 @@
               <a:rPr lang="fr-FR" sz="2800" b="1" dirty="0" smtClean="0">
                 <a:latin typeface="+mj-lt"/>
               </a:rPr>
-              <a:t>Choix de la </a:t>
-            </a:r>
-            <a:r>
-              <a:rPr lang="fr-FR" sz="2800" b="1" dirty="0" smtClean="0">
-                <a:latin typeface="+mj-lt"/>
-              </a:rPr>
-              <a:t>série et génération des phrases</a:t>
-            </a:r>
-            <a:endParaRPr lang="fr-FR" sz="2800" b="1" dirty="0" smtClean="0">
-              <a:latin typeface="+mj-lt"/>
-            </a:endParaRPr>
+              <a:t>Choix de la série et génération des phrases</a:t>
+            </a:r>
           </a:p>
           <a:p>
             <a:pPr algn="l"/>
@@ -6153,29 +6536,8 @@
               <a:rPr lang="fr-FR" dirty="0" smtClean="0">
                 <a:latin typeface="+mj-lt"/>
               </a:rPr>
-              <a:t>Décide de la citation à générer en fonction du choix de série (bouton </a:t>
-            </a:r>
-            <a:r>
-              <a:rPr lang="fr-FR" dirty="0" smtClean="0">
-                <a:latin typeface="+mj-lt"/>
-              </a:rPr>
-              <a:t>radio</a:t>
-            </a:r>
-            <a:r>
-              <a:rPr lang="fr-FR" dirty="0" smtClean="0">
-                <a:latin typeface="+mj-lt"/>
-              </a:rPr>
-              <a:t>) de </a:t>
-            </a:r>
-            <a:r>
-              <a:rPr lang="fr-FR" dirty="0" smtClean="0">
-                <a:latin typeface="+mj-lt"/>
-              </a:rPr>
-              <a:t>l’utilisateur</a:t>
-            </a:r>
-            <a:endParaRPr lang="fr-FR" dirty="0" smtClean="0">
-              <a:latin typeface="+mj-lt"/>
-            </a:endParaRPr>
+              <a:t>Décide de la citation à générer en fonction du choix de série (bouton radio) de l’utilisateur</a:t>
+            </a:r>
           </a:p>
         </p:txBody>
       </p:sp>
